--- a/Big Mart Sales Prediction Presentation.pptx
+++ b/Big Mart Sales Prediction Presentation.pptx
@@ -5,35 +5,34 @@
     <p:sldMasterId id="2147483661" r:id="rId1"/>
   </p:sldMasterIdLst>
   <p:notesMasterIdLst>
-    <p:notesMasterId r:id="rId11"/>
+    <p:notesMasterId r:id="rId10"/>
   </p:notesMasterIdLst>
   <p:sldIdLst>
     <p:sldId id="256" r:id="rId2"/>
     <p:sldId id="257" r:id="rId3"/>
     <p:sldId id="259" r:id="rId4"/>
     <p:sldId id="283" r:id="rId5"/>
-    <p:sldId id="285" r:id="rId6"/>
-    <p:sldId id="286" r:id="rId7"/>
-    <p:sldId id="287" r:id="rId8"/>
-    <p:sldId id="262" r:id="rId9"/>
-    <p:sldId id="278" r:id="rId10"/>
+    <p:sldId id="286" r:id="rId6"/>
+    <p:sldId id="287" r:id="rId7"/>
+    <p:sldId id="262" r:id="rId8"/>
+    <p:sldId id="278" r:id="rId9"/>
   </p:sldIdLst>
   <p:sldSz cx="9144000" cy="5143500" type="screen16x9"/>
   <p:notesSz cx="6858000" cy="9144000"/>
   <p:embeddedFontLst>
     <p:embeddedFont>
       <p:font typeface="Titillium Web" panose="020B0604020202020204" charset="0"/>
-      <p:regular r:id="rId12"/>
-      <p:bold r:id="rId13"/>
-      <p:italic r:id="rId14"/>
-      <p:boldItalic r:id="rId15"/>
+      <p:regular r:id="rId11"/>
+      <p:bold r:id="rId12"/>
+      <p:italic r:id="rId13"/>
+      <p:boldItalic r:id="rId14"/>
     </p:embeddedFont>
     <p:embeddedFont>
       <p:font typeface="Titillium Web ExtraLight" panose="020B0604020202020204" charset="0"/>
-      <p:regular r:id="rId16"/>
-      <p:bold r:id="rId17"/>
-      <p:italic r:id="rId18"/>
-      <p:boldItalic r:id="rId19"/>
+      <p:regular r:id="rId15"/>
+      <p:bold r:id="rId16"/>
+      <p:italic r:id="rId17"/>
+      <p:boldItalic r:id="rId18"/>
     </p:embeddedFont>
   </p:embeddedFontLst>
   <p:defaultTextStyle>
@@ -265,757 +264,15 @@
       </a:defRPr>
     </a:lvl9pPr>
   </p:defaultTextStyle>
+  <p:extLst>
+    <p:ext uri="{EFAFB233-063F-42B5-8137-9DF3F51BA10A}">
+      <p15:sldGuideLst xmlns:p15="http://schemas.microsoft.com/office/powerpoint/2012/main"/>
+    </p:ext>
+  </p:extLst>
 </p:presentation>
 </file>
 
 <file path=ppt/diagrams/colors1.xml><?xml version="1.0" encoding="utf-8"?>
-<dgm:colorsDef xmlns:dgm="http://schemas.openxmlformats.org/drawingml/2006/diagram" xmlns:a="http://schemas.openxmlformats.org/drawingml/2006/main" uniqueId="urn:microsoft.com/office/officeart/2005/8/colors/accent1_2">
-  <dgm:title val=""/>
-  <dgm:desc val=""/>
-  <dgm:catLst>
-    <dgm:cat type="accent1" pri="11200"/>
-  </dgm:catLst>
-  <dgm:styleLbl name="node0">
-    <dgm:fillClrLst meth="repeat">
-      <a:schemeClr val="accent1"/>
-    </dgm:fillClrLst>
-    <dgm:linClrLst meth="repeat">
-      <a:schemeClr val="lt1"/>
-    </dgm:linClrLst>
-    <dgm:effectClrLst/>
-    <dgm:txLinClrLst/>
-    <dgm:txFillClrLst/>
-    <dgm:txEffectClrLst/>
-  </dgm:styleLbl>
-  <dgm:styleLbl name="alignNode1">
-    <dgm:fillClrLst meth="repeat">
-      <a:schemeClr val="accent1"/>
-    </dgm:fillClrLst>
-    <dgm:linClrLst meth="repeat">
-      <a:schemeClr val="accent1"/>
-    </dgm:linClrLst>
-    <dgm:effectClrLst/>
-    <dgm:txLinClrLst/>
-    <dgm:txFillClrLst/>
-    <dgm:txEffectClrLst/>
-  </dgm:styleLbl>
-  <dgm:styleLbl name="node1">
-    <dgm:fillClrLst meth="repeat">
-      <a:schemeClr val="accent1"/>
-    </dgm:fillClrLst>
-    <dgm:linClrLst meth="repeat">
-      <a:schemeClr val="lt1"/>
-    </dgm:linClrLst>
-    <dgm:effectClrLst/>
-    <dgm:txLinClrLst/>
-    <dgm:txFillClrLst/>
-    <dgm:txEffectClrLst/>
-  </dgm:styleLbl>
-  <dgm:styleLbl name="lnNode1">
-    <dgm:fillClrLst meth="repeat">
-      <a:schemeClr val="accent1"/>
-    </dgm:fillClrLst>
-    <dgm:linClrLst meth="repeat">
-      <a:schemeClr val="lt1"/>
-    </dgm:linClrLst>
-    <dgm:effectClrLst/>
-    <dgm:txLinClrLst/>
-    <dgm:txFillClrLst/>
-    <dgm:txEffectClrLst/>
-  </dgm:styleLbl>
-  <dgm:styleLbl name="vennNode1">
-    <dgm:fillClrLst meth="repeat">
-      <a:schemeClr val="accent1">
-        <a:alpha val="50000"/>
-      </a:schemeClr>
-    </dgm:fillClrLst>
-    <dgm:linClrLst meth="repeat">
-      <a:schemeClr val="lt1"/>
-    </dgm:linClrLst>
-    <dgm:effectClrLst/>
-    <dgm:txLinClrLst/>
-    <dgm:txFillClrLst/>
-    <dgm:txEffectClrLst/>
-  </dgm:styleLbl>
-  <dgm:styleLbl name="node2">
-    <dgm:fillClrLst meth="repeat">
-      <a:schemeClr val="accent1"/>
-    </dgm:fillClrLst>
-    <dgm:linClrLst meth="repeat">
-      <a:schemeClr val="lt1"/>
-    </dgm:linClrLst>
-    <dgm:effectClrLst/>
-    <dgm:txLinClrLst/>
-    <dgm:txFillClrLst/>
-    <dgm:txEffectClrLst/>
-  </dgm:styleLbl>
-  <dgm:styleLbl name="node3">
-    <dgm:fillClrLst meth="repeat">
-      <a:schemeClr val="accent1"/>
-    </dgm:fillClrLst>
-    <dgm:linClrLst meth="repeat">
-      <a:schemeClr val="lt1"/>
-    </dgm:linClrLst>
-    <dgm:effectClrLst/>
-    <dgm:txLinClrLst/>
-    <dgm:txFillClrLst/>
-    <dgm:txEffectClrLst/>
-  </dgm:styleLbl>
-  <dgm:styleLbl name="node4">
-    <dgm:fillClrLst meth="repeat">
-      <a:schemeClr val="accent1"/>
-    </dgm:fillClrLst>
-    <dgm:linClrLst meth="repeat">
-      <a:schemeClr val="lt1"/>
-    </dgm:linClrLst>
-    <dgm:effectClrLst/>
-    <dgm:txLinClrLst/>
-    <dgm:txFillClrLst/>
-    <dgm:txEffectClrLst/>
-  </dgm:styleLbl>
-  <dgm:styleLbl name="fgImgPlace1">
-    <dgm:fillClrLst meth="repeat">
-      <a:schemeClr val="accent1">
-        <a:tint val="50000"/>
-      </a:schemeClr>
-    </dgm:fillClrLst>
-    <dgm:linClrLst meth="repeat">
-      <a:schemeClr val="lt1"/>
-    </dgm:linClrLst>
-    <dgm:effectClrLst/>
-    <dgm:txLinClrLst/>
-    <dgm:txFillClrLst meth="repeat">
-      <a:schemeClr val="lt1"/>
-    </dgm:txFillClrLst>
-    <dgm:txEffectClrLst/>
-  </dgm:styleLbl>
-  <dgm:styleLbl name="alignImgPlace1">
-    <dgm:fillClrLst meth="repeat">
-      <a:schemeClr val="accent1">
-        <a:tint val="50000"/>
-      </a:schemeClr>
-    </dgm:fillClrLst>
-    <dgm:linClrLst meth="repeat">
-      <a:schemeClr val="lt1"/>
-    </dgm:linClrLst>
-    <dgm:effectClrLst/>
-    <dgm:txLinClrLst/>
-    <dgm:txFillClrLst meth="repeat">
-      <a:schemeClr val="lt1"/>
-    </dgm:txFillClrLst>
-    <dgm:txEffectClrLst/>
-  </dgm:styleLbl>
-  <dgm:styleLbl name="bgImgPlace1">
-    <dgm:fillClrLst meth="repeat">
-      <a:schemeClr val="accent1">
-        <a:tint val="50000"/>
-      </a:schemeClr>
-    </dgm:fillClrLst>
-    <dgm:linClrLst meth="repeat">
-      <a:schemeClr val="lt1"/>
-    </dgm:linClrLst>
-    <dgm:effectClrLst/>
-    <dgm:txLinClrLst/>
-    <dgm:txFillClrLst meth="repeat">
-      <a:schemeClr val="lt1"/>
-    </dgm:txFillClrLst>
-    <dgm:txEffectClrLst/>
-  </dgm:styleLbl>
-  <dgm:styleLbl name="sibTrans2D1">
-    <dgm:fillClrLst meth="repeat">
-      <a:schemeClr val="accent1">
-        <a:tint val="60000"/>
-      </a:schemeClr>
-    </dgm:fillClrLst>
-    <dgm:linClrLst meth="repeat">
-      <a:schemeClr val="accent1">
-        <a:tint val="60000"/>
-      </a:schemeClr>
-    </dgm:linClrLst>
-    <dgm:effectClrLst/>
-    <dgm:txLinClrLst/>
-    <dgm:txFillClrLst/>
-    <dgm:txEffectClrLst/>
-  </dgm:styleLbl>
-  <dgm:styleLbl name="fgSibTrans2D1">
-    <dgm:fillClrLst meth="repeat">
-      <a:schemeClr val="accent1">
-        <a:tint val="60000"/>
-      </a:schemeClr>
-    </dgm:fillClrLst>
-    <dgm:linClrLst meth="repeat">
-      <a:schemeClr val="accent1">
-        <a:tint val="60000"/>
-      </a:schemeClr>
-    </dgm:linClrLst>
-    <dgm:effectClrLst/>
-    <dgm:txLinClrLst/>
-    <dgm:txFillClrLst/>
-    <dgm:txEffectClrLst/>
-  </dgm:styleLbl>
-  <dgm:styleLbl name="bgSibTrans2D1">
-    <dgm:fillClrLst meth="repeat">
-      <a:schemeClr val="accent1">
-        <a:tint val="60000"/>
-      </a:schemeClr>
-    </dgm:fillClrLst>
-    <dgm:linClrLst meth="repeat">
-      <a:schemeClr val="accent1">
-        <a:tint val="60000"/>
-      </a:schemeClr>
-    </dgm:linClrLst>
-    <dgm:effectClrLst/>
-    <dgm:txLinClrLst/>
-    <dgm:txFillClrLst/>
-    <dgm:txEffectClrLst/>
-  </dgm:styleLbl>
-  <dgm:styleLbl name="sibTrans1D1">
-    <dgm:fillClrLst meth="repeat">
-      <a:schemeClr val="accent1"/>
-    </dgm:fillClrLst>
-    <dgm:linClrLst meth="repeat">
-      <a:schemeClr val="accent1"/>
-    </dgm:linClrLst>
-    <dgm:effectClrLst/>
-    <dgm:txLinClrLst/>
-    <dgm:txFillClrLst meth="repeat">
-      <a:schemeClr val="tx1"/>
-    </dgm:txFillClrLst>
-    <dgm:txEffectClrLst/>
-  </dgm:styleLbl>
-  <dgm:styleLbl name="callout">
-    <dgm:fillClrLst meth="repeat">
-      <a:schemeClr val="accent1"/>
-    </dgm:fillClrLst>
-    <dgm:linClrLst meth="repeat">
-      <a:schemeClr val="accent1">
-        <a:tint val="50000"/>
-      </a:schemeClr>
-    </dgm:linClrLst>
-    <dgm:effectClrLst/>
-    <dgm:txLinClrLst/>
-    <dgm:txFillClrLst meth="repeat">
-      <a:schemeClr val="tx1"/>
-    </dgm:txFillClrLst>
-    <dgm:txEffectClrLst/>
-  </dgm:styleLbl>
-  <dgm:styleLbl name="asst0">
-    <dgm:fillClrLst meth="repeat">
-      <a:schemeClr val="accent1"/>
-    </dgm:fillClrLst>
-    <dgm:linClrLst meth="repeat">
-      <a:schemeClr val="lt1"/>
-    </dgm:linClrLst>
-    <dgm:effectClrLst/>
-    <dgm:txLinClrLst/>
-    <dgm:txFillClrLst/>
-    <dgm:txEffectClrLst/>
-  </dgm:styleLbl>
-  <dgm:styleLbl name="asst1">
-    <dgm:fillClrLst meth="repeat">
-      <a:schemeClr val="accent1"/>
-    </dgm:fillClrLst>
-    <dgm:linClrLst meth="repeat">
-      <a:schemeClr val="lt1"/>
-    </dgm:linClrLst>
-    <dgm:effectClrLst/>
-    <dgm:txLinClrLst/>
-    <dgm:txFillClrLst/>
-    <dgm:txEffectClrLst/>
-  </dgm:styleLbl>
-  <dgm:styleLbl name="asst2">
-    <dgm:fillClrLst meth="repeat">
-      <a:schemeClr val="accent1"/>
-    </dgm:fillClrLst>
-    <dgm:linClrLst meth="repeat">
-      <a:schemeClr val="lt1"/>
-    </dgm:linClrLst>
-    <dgm:effectClrLst/>
-    <dgm:txLinClrLst/>
-    <dgm:txFillClrLst/>
-    <dgm:txEffectClrLst/>
-  </dgm:styleLbl>
-  <dgm:styleLbl name="asst3">
-    <dgm:fillClrLst meth="repeat">
-      <a:schemeClr val="accent1"/>
-    </dgm:fillClrLst>
-    <dgm:linClrLst meth="repeat">
-      <a:schemeClr val="lt1"/>
-    </dgm:linClrLst>
-    <dgm:effectClrLst/>
-    <dgm:txLinClrLst/>
-    <dgm:txFillClrLst/>
-    <dgm:txEffectClrLst/>
-  </dgm:styleLbl>
-  <dgm:styleLbl name="asst4">
-    <dgm:fillClrLst meth="repeat">
-      <a:schemeClr val="accent1"/>
-    </dgm:fillClrLst>
-    <dgm:linClrLst meth="repeat">
-      <a:schemeClr val="lt1"/>
-    </dgm:linClrLst>
-    <dgm:effectClrLst/>
-    <dgm:txLinClrLst/>
-    <dgm:txFillClrLst/>
-    <dgm:txEffectClrLst/>
-  </dgm:styleLbl>
-  <dgm:styleLbl name="parChTrans2D1">
-    <dgm:fillClrLst meth="repeat">
-      <a:schemeClr val="accent1">
-        <a:tint val="60000"/>
-      </a:schemeClr>
-    </dgm:fillClrLst>
-    <dgm:linClrLst meth="repeat">
-      <a:schemeClr val="accent1">
-        <a:tint val="60000"/>
-      </a:schemeClr>
-    </dgm:linClrLst>
-    <dgm:effectClrLst/>
-    <dgm:txLinClrLst/>
-    <dgm:txFillClrLst meth="repeat">
-      <a:schemeClr val="lt1"/>
-    </dgm:txFillClrLst>
-    <dgm:txEffectClrLst/>
-  </dgm:styleLbl>
-  <dgm:styleLbl name="parChTrans2D2">
-    <dgm:fillClrLst meth="repeat">
-      <a:schemeClr val="accent1"/>
-    </dgm:fillClrLst>
-    <dgm:linClrLst meth="repeat">
-      <a:schemeClr val="accent1"/>
-    </dgm:linClrLst>
-    <dgm:effectClrLst/>
-    <dgm:txLinClrLst/>
-    <dgm:txFillClrLst meth="repeat">
-      <a:schemeClr val="lt1"/>
-    </dgm:txFillClrLst>
-    <dgm:txEffectClrLst/>
-  </dgm:styleLbl>
-  <dgm:styleLbl name="parChTrans2D3">
-    <dgm:fillClrLst meth="repeat">
-      <a:schemeClr val="accent1"/>
-    </dgm:fillClrLst>
-    <dgm:linClrLst meth="repeat">
-      <a:schemeClr val="accent1"/>
-    </dgm:linClrLst>
-    <dgm:effectClrLst/>
-    <dgm:txLinClrLst/>
-    <dgm:txFillClrLst meth="repeat">
-      <a:schemeClr val="lt1"/>
-    </dgm:txFillClrLst>
-    <dgm:txEffectClrLst/>
-  </dgm:styleLbl>
-  <dgm:styleLbl name="parChTrans2D4">
-    <dgm:fillClrLst meth="repeat">
-      <a:schemeClr val="accent1"/>
-    </dgm:fillClrLst>
-    <dgm:linClrLst meth="repeat">
-      <a:schemeClr val="accent1"/>
-    </dgm:linClrLst>
-    <dgm:effectClrLst/>
-    <dgm:txLinClrLst/>
-    <dgm:txFillClrLst meth="repeat">
-      <a:schemeClr val="lt1"/>
-    </dgm:txFillClrLst>
-    <dgm:txEffectClrLst/>
-  </dgm:styleLbl>
-  <dgm:styleLbl name="parChTrans1D1">
-    <dgm:fillClrLst meth="repeat">
-      <a:schemeClr val="accent1"/>
-    </dgm:fillClrLst>
-    <dgm:linClrLst meth="repeat">
-      <a:schemeClr val="accent1">
-        <a:shade val="60000"/>
-      </a:schemeClr>
-    </dgm:linClrLst>
-    <dgm:effectClrLst/>
-    <dgm:txLinClrLst/>
-    <dgm:txFillClrLst meth="repeat">
-      <a:schemeClr val="tx1"/>
-    </dgm:txFillClrLst>
-    <dgm:txEffectClrLst/>
-  </dgm:styleLbl>
-  <dgm:styleLbl name="parChTrans1D2">
-    <dgm:fillClrLst meth="repeat">
-      <a:schemeClr val="accent1"/>
-    </dgm:fillClrLst>
-    <dgm:linClrLst meth="repeat">
-      <a:schemeClr val="accent1">
-        <a:shade val="60000"/>
-      </a:schemeClr>
-    </dgm:linClrLst>
-    <dgm:effectClrLst/>
-    <dgm:txLinClrLst/>
-    <dgm:txFillClrLst meth="repeat">
-      <a:schemeClr val="tx1"/>
-    </dgm:txFillClrLst>
-    <dgm:txEffectClrLst/>
-  </dgm:styleLbl>
-  <dgm:styleLbl name="parChTrans1D3">
-    <dgm:fillClrLst meth="repeat">
-      <a:schemeClr val="accent1"/>
-    </dgm:fillClrLst>
-    <dgm:linClrLst meth="repeat">
-      <a:schemeClr val="accent1">
-        <a:shade val="80000"/>
-      </a:schemeClr>
-    </dgm:linClrLst>
-    <dgm:effectClrLst/>
-    <dgm:txLinClrLst/>
-    <dgm:txFillClrLst meth="repeat">
-      <a:schemeClr val="tx1"/>
-    </dgm:txFillClrLst>
-    <dgm:txEffectClrLst/>
-  </dgm:styleLbl>
-  <dgm:styleLbl name="parChTrans1D4">
-    <dgm:fillClrLst meth="repeat">
-      <a:schemeClr val="accent1"/>
-    </dgm:fillClrLst>
-    <dgm:linClrLst meth="repeat">
-      <a:schemeClr val="accent1">
-        <a:shade val="80000"/>
-      </a:schemeClr>
-    </dgm:linClrLst>
-    <dgm:effectClrLst/>
-    <dgm:txLinClrLst/>
-    <dgm:txFillClrLst meth="repeat">
-      <a:schemeClr val="tx1"/>
-    </dgm:txFillClrLst>
-    <dgm:txEffectClrLst/>
-  </dgm:styleLbl>
-  <dgm:styleLbl name="fgAcc1">
-    <dgm:fillClrLst meth="repeat">
-      <a:schemeClr val="lt1">
-        <a:alpha val="90000"/>
-      </a:schemeClr>
-    </dgm:fillClrLst>
-    <dgm:linClrLst meth="repeat">
-      <a:schemeClr val="accent1"/>
-    </dgm:linClrLst>
-    <dgm:effectClrLst/>
-    <dgm:txLinClrLst/>
-    <dgm:txFillClrLst meth="repeat">
-      <a:schemeClr val="dk1"/>
-    </dgm:txFillClrLst>
-    <dgm:txEffectClrLst/>
-  </dgm:styleLbl>
-  <dgm:styleLbl name="conFgAcc1">
-    <dgm:fillClrLst meth="repeat">
-      <a:schemeClr val="lt1">
-        <a:alpha val="90000"/>
-      </a:schemeClr>
-    </dgm:fillClrLst>
-    <dgm:linClrLst meth="repeat">
-      <a:schemeClr val="accent1"/>
-    </dgm:linClrLst>
-    <dgm:effectClrLst/>
-    <dgm:txLinClrLst/>
-    <dgm:txFillClrLst meth="repeat">
-      <a:schemeClr val="dk1"/>
-    </dgm:txFillClrLst>
-    <dgm:txEffectClrLst/>
-  </dgm:styleLbl>
-  <dgm:styleLbl name="alignAcc1">
-    <dgm:fillClrLst meth="repeat">
-      <a:schemeClr val="lt1">
-        <a:alpha val="90000"/>
-      </a:schemeClr>
-    </dgm:fillClrLst>
-    <dgm:linClrLst meth="repeat">
-      <a:schemeClr val="accent1"/>
-    </dgm:linClrLst>
-    <dgm:effectClrLst/>
-    <dgm:txLinClrLst/>
-    <dgm:txFillClrLst meth="repeat">
-      <a:schemeClr val="dk1"/>
-    </dgm:txFillClrLst>
-    <dgm:txEffectClrLst/>
-  </dgm:styleLbl>
-  <dgm:styleLbl name="trAlignAcc1">
-    <dgm:fillClrLst meth="repeat">
-      <a:schemeClr val="lt1">
-        <a:alpha val="40000"/>
-      </a:schemeClr>
-    </dgm:fillClrLst>
-    <dgm:linClrLst meth="repeat">
-      <a:schemeClr val="accent1"/>
-    </dgm:linClrLst>
-    <dgm:effectClrLst/>
-    <dgm:txLinClrLst/>
-    <dgm:txFillClrLst meth="repeat">
-      <a:schemeClr val="dk1"/>
-    </dgm:txFillClrLst>
-    <dgm:txEffectClrLst/>
-  </dgm:styleLbl>
-  <dgm:styleLbl name="bgAcc1">
-    <dgm:fillClrLst meth="repeat">
-      <a:schemeClr val="lt1">
-        <a:alpha val="90000"/>
-      </a:schemeClr>
-    </dgm:fillClrLst>
-    <dgm:linClrLst meth="repeat">
-      <a:schemeClr val="accent1"/>
-    </dgm:linClrLst>
-    <dgm:effectClrLst/>
-    <dgm:txLinClrLst/>
-    <dgm:txFillClrLst meth="repeat">
-      <a:schemeClr val="dk1"/>
-    </dgm:txFillClrLst>
-    <dgm:txEffectClrLst/>
-  </dgm:styleLbl>
-  <dgm:styleLbl name="solidFgAcc1">
-    <dgm:fillClrLst meth="repeat">
-      <a:schemeClr val="lt1"/>
-    </dgm:fillClrLst>
-    <dgm:linClrLst meth="repeat">
-      <a:schemeClr val="accent1"/>
-    </dgm:linClrLst>
-    <dgm:effectClrLst/>
-    <dgm:txLinClrLst/>
-    <dgm:txFillClrLst meth="repeat">
-      <a:schemeClr val="dk1"/>
-    </dgm:txFillClrLst>
-    <dgm:txEffectClrLst/>
-  </dgm:styleLbl>
-  <dgm:styleLbl name="solidAlignAcc1">
-    <dgm:fillClrLst meth="repeat">
-      <a:schemeClr val="lt1"/>
-    </dgm:fillClrLst>
-    <dgm:linClrLst meth="repeat">
-      <a:schemeClr val="accent1"/>
-    </dgm:linClrLst>
-    <dgm:effectClrLst/>
-    <dgm:txLinClrLst/>
-    <dgm:txFillClrLst meth="repeat">
-      <a:schemeClr val="dk1"/>
-    </dgm:txFillClrLst>
-    <dgm:txEffectClrLst/>
-  </dgm:styleLbl>
-  <dgm:styleLbl name="solidBgAcc1">
-    <dgm:fillClrLst meth="repeat">
-      <a:schemeClr val="lt1"/>
-    </dgm:fillClrLst>
-    <dgm:linClrLst meth="repeat">
-      <a:schemeClr val="accent1"/>
-    </dgm:linClrLst>
-    <dgm:effectClrLst/>
-    <dgm:txLinClrLst/>
-    <dgm:txFillClrLst meth="repeat">
-      <a:schemeClr val="dk1"/>
-    </dgm:txFillClrLst>
-    <dgm:txEffectClrLst/>
-  </dgm:styleLbl>
-  <dgm:styleLbl name="fgAccFollowNode1">
-    <dgm:fillClrLst meth="repeat">
-      <a:schemeClr val="accent1">
-        <a:alpha val="90000"/>
-        <a:tint val="40000"/>
-      </a:schemeClr>
-    </dgm:fillClrLst>
-    <dgm:linClrLst meth="repeat">
-      <a:schemeClr val="accent1">
-        <a:alpha val="90000"/>
-        <a:tint val="40000"/>
-      </a:schemeClr>
-    </dgm:linClrLst>
-    <dgm:effectClrLst/>
-    <dgm:txLinClrLst/>
-    <dgm:txFillClrLst meth="repeat">
-      <a:schemeClr val="dk1"/>
-    </dgm:txFillClrLst>
-    <dgm:txEffectClrLst/>
-  </dgm:styleLbl>
-  <dgm:styleLbl name="alignAccFollowNode1">
-    <dgm:fillClrLst meth="repeat">
-      <a:schemeClr val="accent1">
-        <a:alpha val="90000"/>
-        <a:tint val="40000"/>
-      </a:schemeClr>
-    </dgm:fillClrLst>
-    <dgm:linClrLst meth="repeat">
-      <a:schemeClr val="accent1">
-        <a:alpha val="90000"/>
-        <a:tint val="40000"/>
-      </a:schemeClr>
-    </dgm:linClrLst>
-    <dgm:effectClrLst/>
-    <dgm:txLinClrLst/>
-    <dgm:txFillClrLst meth="repeat">
-      <a:schemeClr val="dk1"/>
-    </dgm:txFillClrLst>
-    <dgm:txEffectClrLst/>
-  </dgm:styleLbl>
-  <dgm:styleLbl name="bgAccFollowNode1">
-    <dgm:fillClrLst meth="repeat">
-      <a:schemeClr val="accent1">
-        <a:alpha val="90000"/>
-        <a:tint val="40000"/>
-      </a:schemeClr>
-    </dgm:fillClrLst>
-    <dgm:linClrLst meth="repeat">
-      <a:schemeClr val="accent1">
-        <a:alpha val="90000"/>
-        <a:tint val="40000"/>
-      </a:schemeClr>
-    </dgm:linClrLst>
-    <dgm:effectClrLst/>
-    <dgm:txLinClrLst/>
-    <dgm:txFillClrLst meth="repeat">
-      <a:schemeClr val="dk1"/>
-    </dgm:txFillClrLst>
-    <dgm:txEffectClrLst/>
-  </dgm:styleLbl>
-  <dgm:styleLbl name="fgAcc0">
-    <dgm:fillClrLst meth="repeat">
-      <a:schemeClr val="lt1">
-        <a:alpha val="90000"/>
-      </a:schemeClr>
-    </dgm:fillClrLst>
-    <dgm:linClrLst meth="repeat">
-      <a:schemeClr val="accent1"/>
-    </dgm:linClrLst>
-    <dgm:effectClrLst/>
-    <dgm:txLinClrLst/>
-    <dgm:txFillClrLst meth="repeat">
-      <a:schemeClr val="dk1"/>
-    </dgm:txFillClrLst>
-    <dgm:txEffectClrLst/>
-  </dgm:styleLbl>
-  <dgm:styleLbl name="fgAcc2">
-    <dgm:fillClrLst meth="repeat">
-      <a:schemeClr val="lt1">
-        <a:alpha val="90000"/>
-      </a:schemeClr>
-    </dgm:fillClrLst>
-    <dgm:linClrLst meth="repeat">
-      <a:schemeClr val="accent1"/>
-    </dgm:linClrLst>
-    <dgm:effectClrLst/>
-    <dgm:txLinClrLst/>
-    <dgm:txFillClrLst meth="repeat">
-      <a:schemeClr val="dk1"/>
-    </dgm:txFillClrLst>
-    <dgm:txEffectClrLst/>
-  </dgm:styleLbl>
-  <dgm:styleLbl name="fgAcc3">
-    <dgm:fillClrLst meth="repeat">
-      <a:schemeClr val="lt1">
-        <a:alpha val="90000"/>
-      </a:schemeClr>
-    </dgm:fillClrLst>
-    <dgm:linClrLst meth="repeat">
-      <a:schemeClr val="accent1"/>
-    </dgm:linClrLst>
-    <dgm:effectClrLst/>
-    <dgm:txLinClrLst/>
-    <dgm:txFillClrLst meth="repeat">
-      <a:schemeClr val="dk1"/>
-    </dgm:txFillClrLst>
-    <dgm:txEffectClrLst/>
-  </dgm:styleLbl>
-  <dgm:styleLbl name="fgAcc4">
-    <dgm:fillClrLst meth="repeat">
-      <a:schemeClr val="lt1">
-        <a:alpha val="90000"/>
-      </a:schemeClr>
-    </dgm:fillClrLst>
-    <dgm:linClrLst meth="repeat">
-      <a:schemeClr val="accent1"/>
-    </dgm:linClrLst>
-    <dgm:effectClrLst/>
-    <dgm:txLinClrLst/>
-    <dgm:txFillClrLst meth="repeat">
-      <a:schemeClr val="dk1"/>
-    </dgm:txFillClrLst>
-    <dgm:txEffectClrLst/>
-  </dgm:styleLbl>
-  <dgm:styleLbl name="bgShp">
-    <dgm:fillClrLst meth="repeat">
-      <a:schemeClr val="accent1">
-        <a:tint val="40000"/>
-      </a:schemeClr>
-    </dgm:fillClrLst>
-    <dgm:linClrLst meth="repeat">
-      <a:schemeClr val="accent1"/>
-    </dgm:linClrLst>
-    <dgm:effectClrLst/>
-    <dgm:txLinClrLst/>
-    <dgm:txFillClrLst meth="repeat">
-      <a:schemeClr val="dk1"/>
-    </dgm:txFillClrLst>
-    <dgm:txEffectClrLst/>
-  </dgm:styleLbl>
-  <dgm:styleLbl name="dkBgShp">
-    <dgm:fillClrLst meth="repeat">
-      <a:schemeClr val="accent1">
-        <a:shade val="80000"/>
-      </a:schemeClr>
-    </dgm:fillClrLst>
-    <dgm:linClrLst meth="repeat">
-      <a:schemeClr val="accent1"/>
-    </dgm:linClrLst>
-    <dgm:effectClrLst/>
-    <dgm:txLinClrLst/>
-    <dgm:txFillClrLst meth="repeat">
-      <a:schemeClr val="lt1"/>
-    </dgm:txFillClrLst>
-    <dgm:txEffectClrLst/>
-  </dgm:styleLbl>
-  <dgm:styleLbl name="trBgShp">
-    <dgm:fillClrLst meth="repeat">
-      <a:schemeClr val="accent1">
-        <a:tint val="50000"/>
-        <a:alpha val="40000"/>
-      </a:schemeClr>
-    </dgm:fillClrLst>
-    <dgm:linClrLst meth="repeat">
-      <a:schemeClr val="accent1"/>
-    </dgm:linClrLst>
-    <dgm:effectClrLst/>
-    <dgm:txLinClrLst/>
-    <dgm:txFillClrLst meth="repeat">
-      <a:schemeClr val="lt1"/>
-    </dgm:txFillClrLst>
-    <dgm:txEffectClrLst/>
-  </dgm:styleLbl>
-  <dgm:styleLbl name="fgShp">
-    <dgm:fillClrLst meth="repeat">
-      <a:schemeClr val="accent1">
-        <a:tint val="60000"/>
-      </a:schemeClr>
-    </dgm:fillClrLst>
-    <dgm:linClrLst meth="repeat">
-      <a:schemeClr val="lt1"/>
-    </dgm:linClrLst>
-    <dgm:effectClrLst/>
-    <dgm:txLinClrLst/>
-    <dgm:txFillClrLst meth="repeat">
-      <a:schemeClr val="dk1"/>
-    </dgm:txFillClrLst>
-    <dgm:txEffectClrLst/>
-  </dgm:styleLbl>
-  <dgm:styleLbl name="revTx">
-    <dgm:fillClrLst meth="repeat">
-      <a:schemeClr val="lt1">
-        <a:alpha val="0"/>
-      </a:schemeClr>
-    </dgm:fillClrLst>
-    <dgm:linClrLst meth="repeat">
-      <a:schemeClr val="dk1">
-        <a:alpha val="0"/>
-      </a:schemeClr>
-    </dgm:linClrLst>
-    <dgm:effectClrLst/>
-    <dgm:txLinClrLst/>
-    <dgm:txFillClrLst meth="repeat">
-      <a:schemeClr val="tx1"/>
-    </dgm:txFillClrLst>
-    <dgm:txEffectClrLst/>
-  </dgm:styleLbl>
-</dgm:colorsDef>
-</file>
-
-<file path=ppt/diagrams/colors2.xml><?xml version="1.0" encoding="utf-8"?>
 <dgm:colorsDef xmlns:dgm="http://schemas.openxmlformats.org/drawingml/2006/diagram" xmlns:a="http://schemas.openxmlformats.org/drawingml/2006/main" uniqueId="urn:microsoft.com/office/officeart/2005/8/colors/accent1_2">
   <dgm:title val=""/>
   <dgm:desc val=""/>
@@ -2232,337 +1489,7 @@
   <dgm:whole/>
   <dgm:extLst>
     <a:ext uri="http://schemas.microsoft.com/office/drawing/2008/diagram">
-      <dsp:dataModelExt xmlns:dsp="http://schemas.microsoft.com/office/drawing/2008/diagram" relId="rId6" minVer="http://schemas.openxmlformats.org/drawingml/2006/diagram"/>
-    </a:ext>
-  </dgm:extLst>
-</dgm:dataModel>
-</file>
-
-<file path=ppt/diagrams/data2.xml><?xml version="1.0" encoding="utf-8"?>
-<dgm:dataModel xmlns:dgm="http://schemas.openxmlformats.org/drawingml/2006/diagram" xmlns:a="http://schemas.openxmlformats.org/drawingml/2006/main">
-  <dgm:ptLst>
-    <dgm:pt modelId="{1DD198D5-51CF-43CD-9339-96477AD95466}" type="doc">
-      <dgm:prSet loTypeId="urn:microsoft.com/office/officeart/2005/8/layout/cycle3" loCatId="cycle" qsTypeId="urn:microsoft.com/office/officeart/2005/8/quickstyle/simple1" qsCatId="simple" csTypeId="urn:microsoft.com/office/officeart/2005/8/colors/accent1_2" csCatId="accent1" phldr="1"/>
-      <dgm:spPr/>
-      <dgm:t>
-        <a:bodyPr/>
-        <a:lstStyle/>
-        <a:p>
-          <a:endParaRPr lang="en-US"/>
-        </a:p>
-      </dgm:t>
-    </dgm:pt>
-    <dgm:pt modelId="{BA9EEC6A-48C2-4E09-89E5-EA03F68A630F}">
-      <dgm:prSet phldrT="[Text]"/>
-      <dgm:spPr/>
-      <dgm:t>
-        <a:bodyPr/>
-        <a:lstStyle/>
-        <a:p>
-          <a:r>
-            <a:rPr lang="en-US" dirty="0"/>
-            <a:t>Process and Clean Data</a:t>
-          </a:r>
-        </a:p>
-      </dgm:t>
-    </dgm:pt>
-    <dgm:pt modelId="{6936C0AA-DA83-4D3B-A86A-CB162C97B5EC}" type="parTrans" cxnId="{E70DBC09-9B78-437F-A3F3-7A4F977616D9}">
-      <dgm:prSet/>
-      <dgm:spPr/>
-      <dgm:t>
-        <a:bodyPr/>
-        <a:lstStyle/>
-        <a:p>
-          <a:endParaRPr lang="en-US"/>
-        </a:p>
-      </dgm:t>
-    </dgm:pt>
-    <dgm:pt modelId="{15E10057-7F70-4469-A73A-C61F414662EB}" type="sibTrans" cxnId="{E70DBC09-9B78-437F-A3F3-7A4F977616D9}">
-      <dgm:prSet/>
-      <dgm:spPr/>
-      <dgm:t>
-        <a:bodyPr/>
-        <a:lstStyle/>
-        <a:p>
-          <a:endParaRPr lang="en-US"/>
-        </a:p>
-      </dgm:t>
-    </dgm:pt>
-    <dgm:pt modelId="{D73D935F-6F62-4193-8734-B23CBA6E8846}">
-      <dgm:prSet phldrT="[Text]"/>
-      <dgm:spPr/>
-      <dgm:t>
-        <a:bodyPr/>
-        <a:lstStyle/>
-        <a:p>
-          <a:r>
-            <a:rPr lang="en-US" dirty="0"/>
-            <a:t>Explore and Visualize Data</a:t>
-          </a:r>
-        </a:p>
-      </dgm:t>
-    </dgm:pt>
-    <dgm:pt modelId="{48148A52-F4E1-4781-A936-B2DA9E0B33DE}" type="parTrans" cxnId="{AD684A59-16CE-470F-AD03-27DF929D7149}">
-      <dgm:prSet/>
-      <dgm:spPr/>
-      <dgm:t>
-        <a:bodyPr/>
-        <a:lstStyle/>
-        <a:p>
-          <a:endParaRPr lang="en-US"/>
-        </a:p>
-      </dgm:t>
-    </dgm:pt>
-    <dgm:pt modelId="{3421843A-D3D6-47A5-B49A-02CEB72D5605}" type="sibTrans" cxnId="{AD684A59-16CE-470F-AD03-27DF929D7149}">
-      <dgm:prSet/>
-      <dgm:spPr/>
-      <dgm:t>
-        <a:bodyPr/>
-        <a:lstStyle/>
-        <a:p>
-          <a:endParaRPr lang="en-US"/>
-        </a:p>
-      </dgm:t>
-    </dgm:pt>
-    <dgm:pt modelId="{F7F52460-A831-4D73-BBD2-1DA10765F48D}">
-      <dgm:prSet phldrT="[Text]"/>
-      <dgm:spPr/>
-      <dgm:t>
-        <a:bodyPr/>
-        <a:lstStyle/>
-        <a:p>
-          <a:r>
-            <a:rPr lang="en-US" dirty="0"/>
-            <a:t>Data Mine</a:t>
-          </a:r>
-        </a:p>
-      </dgm:t>
-    </dgm:pt>
-    <dgm:pt modelId="{7681BCA1-DC33-45B6-A03F-22E1FA3DDABE}" type="parTrans" cxnId="{DC172435-9AF4-4019-B544-405F96444EB7}">
-      <dgm:prSet/>
-      <dgm:spPr/>
-      <dgm:t>
-        <a:bodyPr/>
-        <a:lstStyle/>
-        <a:p>
-          <a:endParaRPr lang="en-US"/>
-        </a:p>
-      </dgm:t>
-    </dgm:pt>
-    <dgm:pt modelId="{4B36AF4A-313F-4C44-A395-441E19A5E55E}" type="sibTrans" cxnId="{DC172435-9AF4-4019-B544-405F96444EB7}">
-      <dgm:prSet/>
-      <dgm:spPr/>
-      <dgm:t>
-        <a:bodyPr/>
-        <a:lstStyle/>
-        <a:p>
-          <a:endParaRPr lang="en-US"/>
-        </a:p>
-      </dgm:t>
-    </dgm:pt>
-    <dgm:pt modelId="{C0E951A4-5932-44AC-9EBB-765644801A52}">
-      <dgm:prSet phldrT="[Text]"/>
-      <dgm:spPr/>
-      <dgm:t>
-        <a:bodyPr/>
-        <a:lstStyle/>
-        <a:p>
-          <a:r>
-            <a:rPr lang="en-US" dirty="0"/>
-            <a:t>Build Model</a:t>
-          </a:r>
-        </a:p>
-      </dgm:t>
-    </dgm:pt>
-    <dgm:pt modelId="{4003FEA8-9A54-4356-AEDC-41CF67609F11}" type="parTrans" cxnId="{9A17F617-1C6D-4644-8D46-45BDBC7817AB}">
-      <dgm:prSet/>
-      <dgm:spPr/>
-      <dgm:t>
-        <a:bodyPr/>
-        <a:lstStyle/>
-        <a:p>
-          <a:endParaRPr lang="en-US"/>
-        </a:p>
-      </dgm:t>
-    </dgm:pt>
-    <dgm:pt modelId="{C23EA3C2-0600-4A76-BA73-3FFF3D7E0206}" type="sibTrans" cxnId="{9A17F617-1C6D-4644-8D46-45BDBC7817AB}">
-      <dgm:prSet/>
-      <dgm:spPr/>
-      <dgm:t>
-        <a:bodyPr/>
-        <a:lstStyle/>
-        <a:p>
-          <a:endParaRPr lang="en-US"/>
-        </a:p>
-      </dgm:t>
-    </dgm:pt>
-    <dgm:pt modelId="{DB57299A-2D57-47FD-9D37-582873B977E7}">
-      <dgm:prSet phldrT="[Text]"/>
-      <dgm:spPr/>
-      <dgm:t>
-        <a:bodyPr/>
-        <a:lstStyle/>
-        <a:p>
-          <a:r>
-            <a:rPr lang="en-US" dirty="0"/>
-            <a:t>Generate Results and Optimize</a:t>
-          </a:r>
-        </a:p>
-      </dgm:t>
-    </dgm:pt>
-    <dgm:pt modelId="{4A61F42D-EE8E-4CC8-B6D8-4495CD36FD27}" type="parTrans" cxnId="{4D71A7E7-B86A-402B-9DA1-54BB301269F6}">
-      <dgm:prSet/>
-      <dgm:spPr/>
-      <dgm:t>
-        <a:bodyPr/>
-        <a:lstStyle/>
-        <a:p>
-          <a:endParaRPr lang="en-US"/>
-        </a:p>
-      </dgm:t>
-    </dgm:pt>
-    <dgm:pt modelId="{BCA501CD-6086-46A0-B064-B2694A3AAD60}" type="sibTrans" cxnId="{4D71A7E7-B86A-402B-9DA1-54BB301269F6}">
-      <dgm:prSet/>
-      <dgm:spPr/>
-      <dgm:t>
-        <a:bodyPr/>
-        <a:lstStyle/>
-        <a:p>
-          <a:endParaRPr lang="en-US"/>
-        </a:p>
-      </dgm:t>
-    </dgm:pt>
-    <dgm:pt modelId="{AF460642-05F3-444B-80D1-23CFB262DBED}">
-      <dgm:prSet phldrT="[Text]"/>
-      <dgm:spPr/>
-      <dgm:t>
-        <a:bodyPr/>
-        <a:lstStyle/>
-        <a:p>
-          <a:r>
-            <a:rPr lang="en-US" dirty="0"/>
-            <a:t>Validate Results</a:t>
-          </a:r>
-        </a:p>
-      </dgm:t>
-    </dgm:pt>
-    <dgm:pt modelId="{D8B4E110-6723-4204-B9BA-BF9281559D14}" type="parTrans" cxnId="{34725C9B-1341-4E84-A2F7-D8BB5951930F}">
-      <dgm:prSet/>
-      <dgm:spPr/>
-      <dgm:t>
-        <a:bodyPr/>
-        <a:lstStyle/>
-        <a:p>
-          <a:endParaRPr lang="en-US"/>
-        </a:p>
-      </dgm:t>
-    </dgm:pt>
-    <dgm:pt modelId="{D0DC9134-C24F-423A-802B-88E1F55BEEFF}" type="sibTrans" cxnId="{34725C9B-1341-4E84-A2F7-D8BB5951930F}">
-      <dgm:prSet/>
-      <dgm:spPr/>
-      <dgm:t>
-        <a:bodyPr/>
-        <a:lstStyle/>
-        <a:p>
-          <a:endParaRPr lang="en-US"/>
-        </a:p>
-      </dgm:t>
-    </dgm:pt>
-    <dgm:pt modelId="{E6DB0FF4-5A07-4129-9F4D-788FDA0EBB8F}" type="pres">
-      <dgm:prSet presAssocID="{1DD198D5-51CF-43CD-9339-96477AD95466}" presName="Name0" presStyleCnt="0">
-        <dgm:presLayoutVars>
-          <dgm:dir/>
-          <dgm:resizeHandles val="exact"/>
-        </dgm:presLayoutVars>
-      </dgm:prSet>
-      <dgm:spPr/>
-    </dgm:pt>
-    <dgm:pt modelId="{F62E8F42-F184-4736-B8A9-F0C6E6A03E84}" type="pres">
-      <dgm:prSet presAssocID="{1DD198D5-51CF-43CD-9339-96477AD95466}" presName="cycle" presStyleCnt="0"/>
-      <dgm:spPr/>
-    </dgm:pt>
-    <dgm:pt modelId="{DC421794-C79A-47E1-A0CA-41DCFC5439DA}" type="pres">
-      <dgm:prSet presAssocID="{BA9EEC6A-48C2-4E09-89E5-EA03F68A630F}" presName="nodeFirstNode" presStyleLbl="node1" presStyleIdx="0" presStyleCnt="6">
-        <dgm:presLayoutVars>
-          <dgm:bulletEnabled val="1"/>
-        </dgm:presLayoutVars>
-      </dgm:prSet>
-      <dgm:spPr/>
-    </dgm:pt>
-    <dgm:pt modelId="{7A5FCD13-393C-4C69-AE44-AEF16FE27F65}" type="pres">
-      <dgm:prSet presAssocID="{15E10057-7F70-4469-A73A-C61F414662EB}" presName="sibTransFirstNode" presStyleLbl="bgShp" presStyleIdx="0" presStyleCnt="1"/>
-      <dgm:spPr/>
-    </dgm:pt>
-    <dgm:pt modelId="{8161F3C2-6BB6-4D9E-A053-FE9A6F126ED7}" type="pres">
-      <dgm:prSet presAssocID="{D73D935F-6F62-4193-8734-B23CBA6E8846}" presName="nodeFollowingNodes" presStyleLbl="node1" presStyleIdx="1" presStyleCnt="6">
-        <dgm:presLayoutVars>
-          <dgm:bulletEnabled val="1"/>
-        </dgm:presLayoutVars>
-      </dgm:prSet>
-      <dgm:spPr/>
-    </dgm:pt>
-    <dgm:pt modelId="{E2E8FD7C-DB0B-49D5-AF79-6CAED72D6183}" type="pres">
-      <dgm:prSet presAssocID="{F7F52460-A831-4D73-BBD2-1DA10765F48D}" presName="nodeFollowingNodes" presStyleLbl="node1" presStyleIdx="2" presStyleCnt="6">
-        <dgm:presLayoutVars>
-          <dgm:bulletEnabled val="1"/>
-        </dgm:presLayoutVars>
-      </dgm:prSet>
-      <dgm:spPr/>
-    </dgm:pt>
-    <dgm:pt modelId="{4AF7E9AF-3CAE-4905-B417-C2FF8C10E243}" type="pres">
-      <dgm:prSet presAssocID="{C0E951A4-5932-44AC-9EBB-765644801A52}" presName="nodeFollowingNodes" presStyleLbl="node1" presStyleIdx="3" presStyleCnt="6">
-        <dgm:presLayoutVars>
-          <dgm:bulletEnabled val="1"/>
-        </dgm:presLayoutVars>
-      </dgm:prSet>
-      <dgm:spPr/>
-    </dgm:pt>
-    <dgm:pt modelId="{F179BED8-B882-4683-A812-79C306B2EFB8}" type="pres">
-      <dgm:prSet presAssocID="{DB57299A-2D57-47FD-9D37-582873B977E7}" presName="nodeFollowingNodes" presStyleLbl="node1" presStyleIdx="4" presStyleCnt="6">
-        <dgm:presLayoutVars>
-          <dgm:bulletEnabled val="1"/>
-        </dgm:presLayoutVars>
-      </dgm:prSet>
-      <dgm:spPr/>
-    </dgm:pt>
-    <dgm:pt modelId="{0AB9C084-FDC6-461D-A16A-DF5E01FF2672}" type="pres">
-      <dgm:prSet presAssocID="{AF460642-05F3-444B-80D1-23CFB262DBED}" presName="nodeFollowingNodes" presStyleLbl="node1" presStyleIdx="5" presStyleCnt="6">
-        <dgm:presLayoutVars>
-          <dgm:bulletEnabled val="1"/>
-        </dgm:presLayoutVars>
-      </dgm:prSet>
-      <dgm:spPr/>
-    </dgm:pt>
-  </dgm:ptLst>
-  <dgm:cxnLst>
-    <dgm:cxn modelId="{C73B8301-BB54-4094-9426-27F358F90B26}" type="presOf" srcId="{BA9EEC6A-48C2-4E09-89E5-EA03F68A630F}" destId="{DC421794-C79A-47E1-A0CA-41DCFC5439DA}" srcOrd="0" destOrd="0" presId="urn:microsoft.com/office/officeart/2005/8/layout/cycle3"/>
-    <dgm:cxn modelId="{E70DBC09-9B78-437F-A3F3-7A4F977616D9}" srcId="{1DD198D5-51CF-43CD-9339-96477AD95466}" destId="{BA9EEC6A-48C2-4E09-89E5-EA03F68A630F}" srcOrd="0" destOrd="0" parTransId="{6936C0AA-DA83-4D3B-A86A-CB162C97B5EC}" sibTransId="{15E10057-7F70-4469-A73A-C61F414662EB}"/>
-    <dgm:cxn modelId="{9A17F617-1C6D-4644-8D46-45BDBC7817AB}" srcId="{1DD198D5-51CF-43CD-9339-96477AD95466}" destId="{C0E951A4-5932-44AC-9EBB-765644801A52}" srcOrd="3" destOrd="0" parTransId="{4003FEA8-9A54-4356-AEDC-41CF67609F11}" sibTransId="{C23EA3C2-0600-4A76-BA73-3FFF3D7E0206}"/>
-    <dgm:cxn modelId="{41F4AC20-E0E7-4C0B-AB54-7E76A98B5007}" type="presOf" srcId="{AF460642-05F3-444B-80D1-23CFB262DBED}" destId="{0AB9C084-FDC6-461D-A16A-DF5E01FF2672}" srcOrd="0" destOrd="0" presId="urn:microsoft.com/office/officeart/2005/8/layout/cycle3"/>
-    <dgm:cxn modelId="{35E2542C-525C-4CCB-99E9-55EEEF7A7226}" type="presOf" srcId="{C0E951A4-5932-44AC-9EBB-765644801A52}" destId="{4AF7E9AF-3CAE-4905-B417-C2FF8C10E243}" srcOrd="0" destOrd="0" presId="urn:microsoft.com/office/officeart/2005/8/layout/cycle3"/>
-    <dgm:cxn modelId="{DC172435-9AF4-4019-B544-405F96444EB7}" srcId="{1DD198D5-51CF-43CD-9339-96477AD95466}" destId="{F7F52460-A831-4D73-BBD2-1DA10765F48D}" srcOrd="2" destOrd="0" parTransId="{7681BCA1-DC33-45B6-A03F-22E1FA3DDABE}" sibTransId="{4B36AF4A-313F-4C44-A395-441E19A5E55E}"/>
-    <dgm:cxn modelId="{2867C242-AE0F-4944-9409-33248A96B416}" type="presOf" srcId="{F7F52460-A831-4D73-BBD2-1DA10765F48D}" destId="{E2E8FD7C-DB0B-49D5-AF79-6CAED72D6183}" srcOrd="0" destOrd="0" presId="urn:microsoft.com/office/officeart/2005/8/layout/cycle3"/>
-    <dgm:cxn modelId="{935C316B-0C6A-4B47-AEC9-F43CA114F829}" type="presOf" srcId="{DB57299A-2D57-47FD-9D37-582873B977E7}" destId="{F179BED8-B882-4683-A812-79C306B2EFB8}" srcOrd="0" destOrd="0" presId="urn:microsoft.com/office/officeart/2005/8/layout/cycle3"/>
-    <dgm:cxn modelId="{456BB84C-F059-44DA-B50A-9EB2FD4BEC94}" type="presOf" srcId="{15E10057-7F70-4469-A73A-C61F414662EB}" destId="{7A5FCD13-393C-4C69-AE44-AEF16FE27F65}" srcOrd="0" destOrd="0" presId="urn:microsoft.com/office/officeart/2005/8/layout/cycle3"/>
-    <dgm:cxn modelId="{AD684A59-16CE-470F-AD03-27DF929D7149}" srcId="{1DD198D5-51CF-43CD-9339-96477AD95466}" destId="{D73D935F-6F62-4193-8734-B23CBA6E8846}" srcOrd="1" destOrd="0" parTransId="{48148A52-F4E1-4781-A936-B2DA9E0B33DE}" sibTransId="{3421843A-D3D6-47A5-B49A-02CEB72D5605}"/>
-    <dgm:cxn modelId="{98355895-CF36-40A8-8223-340B1483DF88}" type="presOf" srcId="{D73D935F-6F62-4193-8734-B23CBA6E8846}" destId="{8161F3C2-6BB6-4D9E-A053-FE9A6F126ED7}" srcOrd="0" destOrd="0" presId="urn:microsoft.com/office/officeart/2005/8/layout/cycle3"/>
-    <dgm:cxn modelId="{34725C9B-1341-4E84-A2F7-D8BB5951930F}" srcId="{1DD198D5-51CF-43CD-9339-96477AD95466}" destId="{AF460642-05F3-444B-80D1-23CFB262DBED}" srcOrd="5" destOrd="0" parTransId="{D8B4E110-6723-4204-B9BA-BF9281559D14}" sibTransId="{D0DC9134-C24F-423A-802B-88E1F55BEEFF}"/>
-    <dgm:cxn modelId="{BCFBB9D1-8885-48F8-8B9C-663D66EB50F8}" type="presOf" srcId="{1DD198D5-51CF-43CD-9339-96477AD95466}" destId="{E6DB0FF4-5A07-4129-9F4D-788FDA0EBB8F}" srcOrd="0" destOrd="0" presId="urn:microsoft.com/office/officeart/2005/8/layout/cycle3"/>
-    <dgm:cxn modelId="{4D71A7E7-B86A-402B-9DA1-54BB301269F6}" srcId="{1DD198D5-51CF-43CD-9339-96477AD95466}" destId="{DB57299A-2D57-47FD-9D37-582873B977E7}" srcOrd="4" destOrd="0" parTransId="{4A61F42D-EE8E-4CC8-B6D8-4495CD36FD27}" sibTransId="{BCA501CD-6086-46A0-B064-B2694A3AAD60}"/>
-    <dgm:cxn modelId="{04EF6A8B-9D12-4F77-843F-FEA34305F137}" type="presParOf" srcId="{E6DB0FF4-5A07-4129-9F4D-788FDA0EBB8F}" destId="{F62E8F42-F184-4736-B8A9-F0C6E6A03E84}" srcOrd="0" destOrd="0" presId="urn:microsoft.com/office/officeart/2005/8/layout/cycle3"/>
-    <dgm:cxn modelId="{A8D1CB4E-9034-4B79-A9CD-18B50E0D09F8}" type="presParOf" srcId="{F62E8F42-F184-4736-B8A9-F0C6E6A03E84}" destId="{DC421794-C79A-47E1-A0CA-41DCFC5439DA}" srcOrd="0" destOrd="0" presId="urn:microsoft.com/office/officeart/2005/8/layout/cycle3"/>
-    <dgm:cxn modelId="{71AAEBCE-846D-4C50-9B6B-4DF346ECCFAF}" type="presParOf" srcId="{F62E8F42-F184-4736-B8A9-F0C6E6A03E84}" destId="{7A5FCD13-393C-4C69-AE44-AEF16FE27F65}" srcOrd="1" destOrd="0" presId="urn:microsoft.com/office/officeart/2005/8/layout/cycle3"/>
-    <dgm:cxn modelId="{36B88C47-BF7D-46AD-95A1-C120D8120023}" type="presParOf" srcId="{F62E8F42-F184-4736-B8A9-F0C6E6A03E84}" destId="{8161F3C2-6BB6-4D9E-A053-FE9A6F126ED7}" srcOrd="2" destOrd="0" presId="urn:microsoft.com/office/officeart/2005/8/layout/cycle3"/>
-    <dgm:cxn modelId="{D61D8D58-AAE3-4097-8595-00568E0CDFF6}" type="presParOf" srcId="{F62E8F42-F184-4736-B8A9-F0C6E6A03E84}" destId="{E2E8FD7C-DB0B-49D5-AF79-6CAED72D6183}" srcOrd="3" destOrd="0" presId="urn:microsoft.com/office/officeart/2005/8/layout/cycle3"/>
-    <dgm:cxn modelId="{FA98DFE3-DD07-4AF8-B1EF-A5D47140AA28}" type="presParOf" srcId="{F62E8F42-F184-4736-B8A9-F0C6E6A03E84}" destId="{4AF7E9AF-3CAE-4905-B417-C2FF8C10E243}" srcOrd="4" destOrd="0" presId="urn:microsoft.com/office/officeart/2005/8/layout/cycle3"/>
-    <dgm:cxn modelId="{D2587AB1-07CA-4DF6-9382-8FC6BEFEE9B8}" type="presParOf" srcId="{F62E8F42-F184-4736-B8A9-F0C6E6A03E84}" destId="{F179BED8-B882-4683-A812-79C306B2EFB8}" srcOrd="5" destOrd="0" presId="urn:microsoft.com/office/officeart/2005/8/layout/cycle3"/>
-    <dgm:cxn modelId="{7BAEAE45-3D5E-4D78-BF28-3F2DE82D006A}" type="presParOf" srcId="{F62E8F42-F184-4736-B8A9-F0C6E6A03E84}" destId="{0AB9C084-FDC6-461D-A16A-DF5E01FF2672}" srcOrd="6" destOrd="0" presId="urn:microsoft.com/office/officeart/2005/8/layout/cycle3"/>
-  </dgm:cxnLst>
-  <dgm:bg/>
-  <dgm:whole/>
-  <dgm:extLst>
-    <a:ext uri="http://schemas.microsoft.com/office/drawing/2008/diagram">
-      <dsp:dataModelExt xmlns:dsp="http://schemas.microsoft.com/office/drawing/2008/diagram" relId="rId6" minVer="http://schemas.openxmlformats.org/drawingml/2006/diagram"/>
+      <dsp:dataModelExt xmlns:dsp="http://schemas.microsoft.com/office/drawing/2008/diagram" relId="rId8" minVer="http://schemas.openxmlformats.org/drawingml/2006/diagram"/>
     </a:ext>
   </dgm:extLst>
 </dgm:dataModel>
@@ -3349,526 +2276,6 @@
       <dsp:txXfrm>
         <a:off x="1371474" y="810953"/>
         <a:ext cx="804067" cy="695611"/>
-      </dsp:txXfrm>
-    </dsp:sp>
-  </dsp:spTree>
-</dsp:drawing>
-</file>
-
-<file path=ppt/diagrams/drawing2.xml><?xml version="1.0" encoding="utf-8"?>
-<dsp:drawing xmlns:dgm="http://schemas.openxmlformats.org/drawingml/2006/diagram" xmlns:dsp="http://schemas.microsoft.com/office/drawing/2008/diagram" xmlns:a="http://schemas.openxmlformats.org/drawingml/2006/main">
-  <dsp:spTree>
-    <dsp:nvGrpSpPr>
-      <dsp:cNvPr id="0" name=""/>
-      <dsp:cNvGrpSpPr/>
-    </dsp:nvGrpSpPr>
-    <dsp:grpSpPr/>
-    <dsp:sp modelId="{7A5FCD13-393C-4C69-AE44-AEF16FE27F65}">
-      <dsp:nvSpPr>
-        <dsp:cNvPr id="0" name=""/>
-        <dsp:cNvSpPr/>
-      </dsp:nvSpPr>
-      <dsp:spPr>
-        <a:xfrm>
-          <a:off x="1236572" y="-3843"/>
-          <a:ext cx="3450257" cy="3450257"/>
-        </a:xfrm>
-        <a:prstGeom prst="circularArrow">
-          <a:avLst>
-            <a:gd name="adj1" fmla="val 5274"/>
-            <a:gd name="adj2" fmla="val 312630"/>
-            <a:gd name="adj3" fmla="val 14269048"/>
-            <a:gd name="adj4" fmla="val 17103115"/>
-            <a:gd name="adj5" fmla="val 5477"/>
-          </a:avLst>
-        </a:prstGeom>
-        <a:solidFill>
-          <a:schemeClr val="accent1">
-            <a:tint val="40000"/>
-            <a:hueOff val="0"/>
-            <a:satOff val="0"/>
-            <a:lumOff val="0"/>
-            <a:alphaOff val="0"/>
-          </a:schemeClr>
-        </a:solidFill>
-        <a:ln>
-          <a:noFill/>
-        </a:ln>
-        <a:effectLst/>
-      </dsp:spPr>
-      <dsp:style>
-        <a:lnRef idx="0">
-          <a:scrgbClr r="0" g="0" b="0"/>
-        </a:lnRef>
-        <a:fillRef idx="1">
-          <a:scrgbClr r="0" g="0" b="0"/>
-        </a:fillRef>
-        <a:effectRef idx="0">
-          <a:scrgbClr r="0" g="0" b="0"/>
-        </a:effectRef>
-        <a:fontRef idx="minor"/>
-      </dsp:style>
-    </dsp:sp>
-    <dsp:sp modelId="{DC421794-C79A-47E1-A0CA-41DCFC5439DA}">
-      <dsp:nvSpPr>
-        <dsp:cNvPr id="0" name=""/>
-        <dsp:cNvSpPr/>
-      </dsp:nvSpPr>
-      <dsp:spPr>
-        <a:xfrm>
-          <a:off x="2321059" y="908"/>
-          <a:ext cx="1281282" cy="640641"/>
-        </a:xfrm>
-        <a:prstGeom prst="roundRect">
-          <a:avLst/>
-        </a:prstGeom>
-        <a:solidFill>
-          <a:schemeClr val="accent1">
-            <a:hueOff val="0"/>
-            <a:satOff val="0"/>
-            <a:lumOff val="0"/>
-            <a:alphaOff val="0"/>
-          </a:schemeClr>
-        </a:solidFill>
-        <a:ln w="25400" cap="flat" cmpd="sng" algn="ctr">
-          <a:solidFill>
-            <a:schemeClr val="lt1">
-              <a:hueOff val="0"/>
-              <a:satOff val="0"/>
-              <a:lumOff val="0"/>
-              <a:alphaOff val="0"/>
-            </a:schemeClr>
-          </a:solidFill>
-          <a:prstDash val="solid"/>
-        </a:ln>
-        <a:effectLst/>
-      </dsp:spPr>
-      <dsp:style>
-        <a:lnRef idx="2">
-          <a:scrgbClr r="0" g="0" b="0"/>
-        </a:lnRef>
-        <a:fillRef idx="1">
-          <a:scrgbClr r="0" g="0" b="0"/>
-        </a:fillRef>
-        <a:effectRef idx="0">
-          <a:scrgbClr r="0" g="0" b="0"/>
-        </a:effectRef>
-        <a:fontRef idx="minor">
-          <a:schemeClr val="lt1"/>
-        </a:fontRef>
-      </dsp:style>
-      <dsp:txBody>
-        <a:bodyPr spcFirstLastPara="0" vert="horz" wrap="square" lIns="45720" tIns="45720" rIns="45720" bIns="45720" numCol="1" spcCol="1270" anchor="ctr" anchorCtr="0">
-          <a:noAutofit/>
-        </a:bodyPr>
-        <a:lstStyle/>
-        <a:p>
-          <a:pPr marL="0" lvl="0" indent="0" algn="ctr" defTabSz="533400">
-            <a:lnSpc>
-              <a:spcPct val="90000"/>
-            </a:lnSpc>
-            <a:spcBef>
-              <a:spcPct val="0"/>
-            </a:spcBef>
-            <a:spcAft>
-              <a:spcPct val="35000"/>
-            </a:spcAft>
-            <a:buNone/>
-          </a:pPr>
-          <a:r>
-            <a:rPr lang="en-US" sz="1200" kern="1200" dirty="0"/>
-            <a:t>Process and Clean Data</a:t>
-          </a:r>
-        </a:p>
-      </dsp:txBody>
-      <dsp:txXfrm>
-        <a:off x="2352333" y="32182"/>
-        <a:ext cx="1218734" cy="578093"/>
-      </dsp:txXfrm>
-    </dsp:sp>
-    <dsp:sp modelId="{8161F3C2-6BB6-4D9E-A053-FE9A6F126ED7}">
-      <dsp:nvSpPr>
-        <dsp:cNvPr id="0" name=""/>
-        <dsp:cNvSpPr/>
-      </dsp:nvSpPr>
-      <dsp:spPr>
-        <a:xfrm>
-          <a:off x="3533234" y="700757"/>
-          <a:ext cx="1281282" cy="640641"/>
-        </a:xfrm>
-        <a:prstGeom prst="roundRect">
-          <a:avLst/>
-        </a:prstGeom>
-        <a:solidFill>
-          <a:schemeClr val="accent1">
-            <a:hueOff val="0"/>
-            <a:satOff val="0"/>
-            <a:lumOff val="0"/>
-            <a:alphaOff val="0"/>
-          </a:schemeClr>
-        </a:solidFill>
-        <a:ln w="25400" cap="flat" cmpd="sng" algn="ctr">
-          <a:solidFill>
-            <a:schemeClr val="lt1">
-              <a:hueOff val="0"/>
-              <a:satOff val="0"/>
-              <a:lumOff val="0"/>
-              <a:alphaOff val="0"/>
-            </a:schemeClr>
-          </a:solidFill>
-          <a:prstDash val="solid"/>
-        </a:ln>
-        <a:effectLst/>
-      </dsp:spPr>
-      <dsp:style>
-        <a:lnRef idx="2">
-          <a:scrgbClr r="0" g="0" b="0"/>
-        </a:lnRef>
-        <a:fillRef idx="1">
-          <a:scrgbClr r="0" g="0" b="0"/>
-        </a:fillRef>
-        <a:effectRef idx="0">
-          <a:scrgbClr r="0" g="0" b="0"/>
-        </a:effectRef>
-        <a:fontRef idx="minor">
-          <a:schemeClr val="lt1"/>
-        </a:fontRef>
-      </dsp:style>
-      <dsp:txBody>
-        <a:bodyPr spcFirstLastPara="0" vert="horz" wrap="square" lIns="45720" tIns="45720" rIns="45720" bIns="45720" numCol="1" spcCol="1270" anchor="ctr" anchorCtr="0">
-          <a:noAutofit/>
-        </a:bodyPr>
-        <a:lstStyle/>
-        <a:p>
-          <a:pPr marL="0" lvl="0" indent="0" algn="ctr" defTabSz="533400">
-            <a:lnSpc>
-              <a:spcPct val="90000"/>
-            </a:lnSpc>
-            <a:spcBef>
-              <a:spcPct val="0"/>
-            </a:spcBef>
-            <a:spcAft>
-              <a:spcPct val="35000"/>
-            </a:spcAft>
-            <a:buNone/>
-          </a:pPr>
-          <a:r>
-            <a:rPr lang="en-US" sz="1200" kern="1200" dirty="0"/>
-            <a:t>Explore and Visualize Data</a:t>
-          </a:r>
-        </a:p>
-      </dsp:txBody>
-      <dsp:txXfrm>
-        <a:off x="3564508" y="732031"/>
-        <a:ext cx="1218734" cy="578093"/>
-      </dsp:txXfrm>
-    </dsp:sp>
-    <dsp:sp modelId="{E2E8FD7C-DB0B-49D5-AF79-6CAED72D6183}">
-      <dsp:nvSpPr>
-        <dsp:cNvPr id="0" name=""/>
-        <dsp:cNvSpPr/>
-      </dsp:nvSpPr>
-      <dsp:spPr>
-        <a:xfrm>
-          <a:off x="3533234" y="2100456"/>
-          <a:ext cx="1281282" cy="640641"/>
-        </a:xfrm>
-        <a:prstGeom prst="roundRect">
-          <a:avLst/>
-        </a:prstGeom>
-        <a:solidFill>
-          <a:schemeClr val="accent1">
-            <a:hueOff val="0"/>
-            <a:satOff val="0"/>
-            <a:lumOff val="0"/>
-            <a:alphaOff val="0"/>
-          </a:schemeClr>
-        </a:solidFill>
-        <a:ln w="25400" cap="flat" cmpd="sng" algn="ctr">
-          <a:solidFill>
-            <a:schemeClr val="lt1">
-              <a:hueOff val="0"/>
-              <a:satOff val="0"/>
-              <a:lumOff val="0"/>
-              <a:alphaOff val="0"/>
-            </a:schemeClr>
-          </a:solidFill>
-          <a:prstDash val="solid"/>
-        </a:ln>
-        <a:effectLst/>
-      </dsp:spPr>
-      <dsp:style>
-        <a:lnRef idx="2">
-          <a:scrgbClr r="0" g="0" b="0"/>
-        </a:lnRef>
-        <a:fillRef idx="1">
-          <a:scrgbClr r="0" g="0" b="0"/>
-        </a:fillRef>
-        <a:effectRef idx="0">
-          <a:scrgbClr r="0" g="0" b="0"/>
-        </a:effectRef>
-        <a:fontRef idx="minor">
-          <a:schemeClr val="lt1"/>
-        </a:fontRef>
-      </dsp:style>
-      <dsp:txBody>
-        <a:bodyPr spcFirstLastPara="0" vert="horz" wrap="square" lIns="45720" tIns="45720" rIns="45720" bIns="45720" numCol="1" spcCol="1270" anchor="ctr" anchorCtr="0">
-          <a:noAutofit/>
-        </a:bodyPr>
-        <a:lstStyle/>
-        <a:p>
-          <a:pPr marL="0" lvl="0" indent="0" algn="ctr" defTabSz="533400">
-            <a:lnSpc>
-              <a:spcPct val="90000"/>
-            </a:lnSpc>
-            <a:spcBef>
-              <a:spcPct val="0"/>
-            </a:spcBef>
-            <a:spcAft>
-              <a:spcPct val="35000"/>
-            </a:spcAft>
-            <a:buNone/>
-          </a:pPr>
-          <a:r>
-            <a:rPr lang="en-US" sz="1200" kern="1200" dirty="0"/>
-            <a:t>Data Mine</a:t>
-          </a:r>
-        </a:p>
-      </dsp:txBody>
-      <dsp:txXfrm>
-        <a:off x="3564508" y="2131730"/>
-        <a:ext cx="1218734" cy="578093"/>
-      </dsp:txXfrm>
-    </dsp:sp>
-    <dsp:sp modelId="{4AF7E9AF-3CAE-4905-B417-C2FF8C10E243}">
-      <dsp:nvSpPr>
-        <dsp:cNvPr id="0" name=""/>
-        <dsp:cNvSpPr/>
-      </dsp:nvSpPr>
-      <dsp:spPr>
-        <a:xfrm>
-          <a:off x="2321059" y="2800305"/>
-          <a:ext cx="1281282" cy="640641"/>
-        </a:xfrm>
-        <a:prstGeom prst="roundRect">
-          <a:avLst/>
-        </a:prstGeom>
-        <a:solidFill>
-          <a:schemeClr val="accent1">
-            <a:hueOff val="0"/>
-            <a:satOff val="0"/>
-            <a:lumOff val="0"/>
-            <a:alphaOff val="0"/>
-          </a:schemeClr>
-        </a:solidFill>
-        <a:ln w="25400" cap="flat" cmpd="sng" algn="ctr">
-          <a:solidFill>
-            <a:schemeClr val="lt1">
-              <a:hueOff val="0"/>
-              <a:satOff val="0"/>
-              <a:lumOff val="0"/>
-              <a:alphaOff val="0"/>
-            </a:schemeClr>
-          </a:solidFill>
-          <a:prstDash val="solid"/>
-        </a:ln>
-        <a:effectLst/>
-      </dsp:spPr>
-      <dsp:style>
-        <a:lnRef idx="2">
-          <a:scrgbClr r="0" g="0" b="0"/>
-        </a:lnRef>
-        <a:fillRef idx="1">
-          <a:scrgbClr r="0" g="0" b="0"/>
-        </a:fillRef>
-        <a:effectRef idx="0">
-          <a:scrgbClr r="0" g="0" b="0"/>
-        </a:effectRef>
-        <a:fontRef idx="minor">
-          <a:schemeClr val="lt1"/>
-        </a:fontRef>
-      </dsp:style>
-      <dsp:txBody>
-        <a:bodyPr spcFirstLastPara="0" vert="horz" wrap="square" lIns="45720" tIns="45720" rIns="45720" bIns="45720" numCol="1" spcCol="1270" anchor="ctr" anchorCtr="0">
-          <a:noAutofit/>
-        </a:bodyPr>
-        <a:lstStyle/>
-        <a:p>
-          <a:pPr marL="0" lvl="0" indent="0" algn="ctr" defTabSz="533400">
-            <a:lnSpc>
-              <a:spcPct val="90000"/>
-            </a:lnSpc>
-            <a:spcBef>
-              <a:spcPct val="0"/>
-            </a:spcBef>
-            <a:spcAft>
-              <a:spcPct val="35000"/>
-            </a:spcAft>
-            <a:buNone/>
-          </a:pPr>
-          <a:r>
-            <a:rPr lang="en-US" sz="1200" kern="1200" dirty="0"/>
-            <a:t>Build Model</a:t>
-          </a:r>
-        </a:p>
-      </dsp:txBody>
-      <dsp:txXfrm>
-        <a:off x="2352333" y="2831579"/>
-        <a:ext cx="1218734" cy="578093"/>
-      </dsp:txXfrm>
-    </dsp:sp>
-    <dsp:sp modelId="{F179BED8-B882-4683-A812-79C306B2EFB8}">
-      <dsp:nvSpPr>
-        <dsp:cNvPr id="0" name=""/>
-        <dsp:cNvSpPr/>
-      </dsp:nvSpPr>
-      <dsp:spPr>
-        <a:xfrm>
-          <a:off x="1108884" y="2100456"/>
-          <a:ext cx="1281282" cy="640641"/>
-        </a:xfrm>
-        <a:prstGeom prst="roundRect">
-          <a:avLst/>
-        </a:prstGeom>
-        <a:solidFill>
-          <a:schemeClr val="accent1">
-            <a:hueOff val="0"/>
-            <a:satOff val="0"/>
-            <a:lumOff val="0"/>
-            <a:alphaOff val="0"/>
-          </a:schemeClr>
-        </a:solidFill>
-        <a:ln w="25400" cap="flat" cmpd="sng" algn="ctr">
-          <a:solidFill>
-            <a:schemeClr val="lt1">
-              <a:hueOff val="0"/>
-              <a:satOff val="0"/>
-              <a:lumOff val="0"/>
-              <a:alphaOff val="0"/>
-            </a:schemeClr>
-          </a:solidFill>
-          <a:prstDash val="solid"/>
-        </a:ln>
-        <a:effectLst/>
-      </dsp:spPr>
-      <dsp:style>
-        <a:lnRef idx="2">
-          <a:scrgbClr r="0" g="0" b="0"/>
-        </a:lnRef>
-        <a:fillRef idx="1">
-          <a:scrgbClr r="0" g="0" b="0"/>
-        </a:fillRef>
-        <a:effectRef idx="0">
-          <a:scrgbClr r="0" g="0" b="0"/>
-        </a:effectRef>
-        <a:fontRef idx="minor">
-          <a:schemeClr val="lt1"/>
-        </a:fontRef>
-      </dsp:style>
-      <dsp:txBody>
-        <a:bodyPr spcFirstLastPara="0" vert="horz" wrap="square" lIns="45720" tIns="45720" rIns="45720" bIns="45720" numCol="1" spcCol="1270" anchor="ctr" anchorCtr="0">
-          <a:noAutofit/>
-        </a:bodyPr>
-        <a:lstStyle/>
-        <a:p>
-          <a:pPr marL="0" lvl="0" indent="0" algn="ctr" defTabSz="533400">
-            <a:lnSpc>
-              <a:spcPct val="90000"/>
-            </a:lnSpc>
-            <a:spcBef>
-              <a:spcPct val="0"/>
-            </a:spcBef>
-            <a:spcAft>
-              <a:spcPct val="35000"/>
-            </a:spcAft>
-            <a:buNone/>
-          </a:pPr>
-          <a:r>
-            <a:rPr lang="en-US" sz="1200" kern="1200" dirty="0"/>
-            <a:t>Generate Results and Optimize</a:t>
-          </a:r>
-        </a:p>
-      </dsp:txBody>
-      <dsp:txXfrm>
-        <a:off x="1140158" y="2131730"/>
-        <a:ext cx="1218734" cy="578093"/>
-      </dsp:txXfrm>
-    </dsp:sp>
-    <dsp:sp modelId="{0AB9C084-FDC6-461D-A16A-DF5E01FF2672}">
-      <dsp:nvSpPr>
-        <dsp:cNvPr id="0" name=""/>
-        <dsp:cNvSpPr/>
-      </dsp:nvSpPr>
-      <dsp:spPr>
-        <a:xfrm>
-          <a:off x="1108884" y="700757"/>
-          <a:ext cx="1281282" cy="640641"/>
-        </a:xfrm>
-        <a:prstGeom prst="roundRect">
-          <a:avLst/>
-        </a:prstGeom>
-        <a:solidFill>
-          <a:schemeClr val="accent1">
-            <a:hueOff val="0"/>
-            <a:satOff val="0"/>
-            <a:lumOff val="0"/>
-            <a:alphaOff val="0"/>
-          </a:schemeClr>
-        </a:solidFill>
-        <a:ln w="25400" cap="flat" cmpd="sng" algn="ctr">
-          <a:solidFill>
-            <a:schemeClr val="lt1">
-              <a:hueOff val="0"/>
-              <a:satOff val="0"/>
-              <a:lumOff val="0"/>
-              <a:alphaOff val="0"/>
-            </a:schemeClr>
-          </a:solidFill>
-          <a:prstDash val="solid"/>
-        </a:ln>
-        <a:effectLst/>
-      </dsp:spPr>
-      <dsp:style>
-        <a:lnRef idx="2">
-          <a:scrgbClr r="0" g="0" b="0"/>
-        </a:lnRef>
-        <a:fillRef idx="1">
-          <a:scrgbClr r="0" g="0" b="0"/>
-        </a:fillRef>
-        <a:effectRef idx="0">
-          <a:scrgbClr r="0" g="0" b="0"/>
-        </a:effectRef>
-        <a:fontRef idx="minor">
-          <a:schemeClr val="lt1"/>
-        </a:fontRef>
-      </dsp:style>
-      <dsp:txBody>
-        <a:bodyPr spcFirstLastPara="0" vert="horz" wrap="square" lIns="45720" tIns="45720" rIns="45720" bIns="45720" numCol="1" spcCol="1270" anchor="ctr" anchorCtr="0">
-          <a:noAutofit/>
-        </a:bodyPr>
-        <a:lstStyle/>
-        <a:p>
-          <a:pPr marL="0" lvl="0" indent="0" algn="ctr" defTabSz="533400">
-            <a:lnSpc>
-              <a:spcPct val="90000"/>
-            </a:lnSpc>
-            <a:spcBef>
-              <a:spcPct val="0"/>
-            </a:spcBef>
-            <a:spcAft>
-              <a:spcPct val="35000"/>
-            </a:spcAft>
-            <a:buNone/>
-          </a:pPr>
-          <a:r>
-            <a:rPr lang="en-US" sz="1200" kern="1200" dirty="0"/>
-            <a:t>Validate Results</a:t>
-          </a:r>
-        </a:p>
-      </dsp:txBody>
-      <dsp:txXfrm>
-        <a:off x="1140158" y="732031"/>
-        <a:ext cx="1218734" cy="578093"/>
       </dsp:txXfrm>
     </dsp:sp>
   </dsp:spTree>
@@ -4874,1444 +3281,7 @@
 </dgm:layoutDef>
 </file>
 
-<file path=ppt/diagrams/layout2.xml><?xml version="1.0" encoding="utf-8"?>
-<dgm:layoutDef xmlns:dgm="http://schemas.openxmlformats.org/drawingml/2006/diagram" xmlns:a="http://schemas.openxmlformats.org/drawingml/2006/main" uniqueId="urn:microsoft.com/office/officeart/2005/8/layout/cycle3">
-  <dgm:title val=""/>
-  <dgm:desc val=""/>
-  <dgm:catLst>
-    <dgm:cat type="cycle" pri="5000"/>
-  </dgm:catLst>
-  <dgm:sampData>
-    <dgm:dataModel>
-      <dgm:ptLst>
-        <dgm:pt modelId="0" type="doc"/>
-        <dgm:pt modelId="1">
-          <dgm:prSet phldr="1"/>
-        </dgm:pt>
-        <dgm:pt modelId="2">
-          <dgm:prSet phldr="1"/>
-        </dgm:pt>
-        <dgm:pt modelId="3">
-          <dgm:prSet phldr="1"/>
-        </dgm:pt>
-        <dgm:pt modelId="4">
-          <dgm:prSet phldr="1"/>
-        </dgm:pt>
-        <dgm:pt modelId="5">
-          <dgm:prSet phldr="1"/>
-        </dgm:pt>
-      </dgm:ptLst>
-      <dgm:cxnLst>
-        <dgm:cxn modelId="6" srcId="0" destId="1" srcOrd="0" destOrd="0"/>
-        <dgm:cxn modelId="7" srcId="0" destId="2" srcOrd="1" destOrd="0"/>
-        <dgm:cxn modelId="8" srcId="0" destId="3" srcOrd="2" destOrd="0"/>
-        <dgm:cxn modelId="9" srcId="0" destId="4" srcOrd="3" destOrd="0"/>
-        <dgm:cxn modelId="10" srcId="0" destId="5" srcOrd="4" destOrd="0"/>
-      </dgm:cxnLst>
-      <dgm:bg/>
-      <dgm:whole/>
-    </dgm:dataModel>
-  </dgm:sampData>
-  <dgm:styleData>
-    <dgm:dataModel>
-      <dgm:ptLst>
-        <dgm:pt modelId="0" type="doc"/>
-        <dgm:pt modelId="1"/>
-        <dgm:pt modelId="2"/>
-        <dgm:pt modelId="3"/>
-      </dgm:ptLst>
-      <dgm:cxnLst>
-        <dgm:cxn modelId="4" srcId="0" destId="1" srcOrd="0" destOrd="0"/>
-        <dgm:cxn modelId="5" srcId="0" destId="2" srcOrd="1" destOrd="0"/>
-        <dgm:cxn modelId="6" srcId="0" destId="3" srcOrd="2" destOrd="0"/>
-      </dgm:cxnLst>
-      <dgm:bg/>
-      <dgm:whole/>
-    </dgm:dataModel>
-  </dgm:styleData>
-  <dgm:clrData>
-    <dgm:dataModel>
-      <dgm:ptLst>
-        <dgm:pt modelId="0" type="doc"/>
-        <dgm:pt modelId="1"/>
-        <dgm:pt modelId="2"/>
-        <dgm:pt modelId="3"/>
-        <dgm:pt modelId="4"/>
-        <dgm:pt modelId="5"/>
-        <dgm:pt modelId="6"/>
-      </dgm:ptLst>
-      <dgm:cxnLst>
-        <dgm:cxn modelId="7" srcId="0" destId="1" srcOrd="0" destOrd="0"/>
-        <dgm:cxn modelId="8" srcId="0" destId="2" srcOrd="1" destOrd="0"/>
-        <dgm:cxn modelId="9" srcId="0" destId="3" srcOrd="2" destOrd="0"/>
-        <dgm:cxn modelId="10" srcId="0" destId="4" srcOrd="3" destOrd="0"/>
-        <dgm:cxn modelId="11" srcId="0" destId="5" srcOrd="4" destOrd="0"/>
-        <dgm:cxn modelId="12" srcId="0" destId="6" srcOrd="5" destOrd="0"/>
-      </dgm:cxnLst>
-      <dgm:bg/>
-      <dgm:whole/>
-    </dgm:dataModel>
-  </dgm:clrData>
-  <dgm:layoutNode name="Name0">
-    <dgm:varLst>
-      <dgm:dir/>
-      <dgm:resizeHandles val="exact"/>
-    </dgm:varLst>
-    <dgm:choose name="Name1">
-      <dgm:if name="Name2" axis="ch" ptType="node" func="cnt" op="equ" val="2">
-        <dgm:alg type="composite">
-          <dgm:param type="ar" val="0.9"/>
-        </dgm:alg>
-        <dgm:shape xmlns:r="http://schemas.openxmlformats.org/officeDocument/2006/relationships" r:blip="">
-          <dgm:adjLst/>
-        </dgm:shape>
-        <dgm:presOf/>
-        <dgm:constrLst>
-          <dgm:constr type="primFontSz" for="ch" ptType="node" op="equ" val="65"/>
-          <dgm:constr type="ctrX" for="ch" forName="node1" refType="w" fact="0.5"/>
-          <dgm:constr type="t" for="ch" forName="node1"/>
-          <dgm:constr type="w" for="ch" forName="node1" refType="w" fact="0.8"/>
-          <dgm:constr type="h" for="ch" forName="node1" refType="w" refFor="ch" refForName="node1" fact="0.5"/>
-          <dgm:constr type="ctrX" for="ch" forName="sibTrans" refType="w" fact="0.5"/>
-          <dgm:constr type="t" for="ch" forName="sibTrans"/>
-          <dgm:constr type="w" for="ch" forName="sibTrans" refType="w" fact="0.8"/>
-          <dgm:constr type="h" for="ch" forName="sibTrans" refType="w" refFor="ch" refForName="node1" fact="0.5"/>
-          <dgm:constr type="userA" for="ch" forName="sibTrans" refType="w" fact="1.07"/>
-          <dgm:constr type="ctrX" for="ch" forName="node2" refType="w" fact="0.5"/>
-          <dgm:constr type="b" for="ch" forName="node2" refType="h"/>
-          <dgm:constr type="w" for="ch" forName="node2" refType="w" fact="0.8"/>
-          <dgm:constr type="h" for="ch" forName="node2" refType="w" refFor="ch" refForName="node1" fact="0.5"/>
-          <dgm:constr type="l" for="ch" forName="sp1"/>
-          <dgm:constr type="t" for="ch" forName="sp1" refType="h" fact="0.5"/>
-          <dgm:constr type="w" for="ch" forName="sp1" val="1"/>
-          <dgm:constr type="h" for="ch" forName="sp1" val="1"/>
-          <dgm:constr type="r" for="ch" forName="sp2" refType="w"/>
-          <dgm:constr type="t" for="ch" forName="sp2" refType="h" fact="0.5"/>
-          <dgm:constr type="w" for="ch" forName="sp2" val="1"/>
-          <dgm:constr type="h" for="ch" forName="sp2" val="1"/>
-        </dgm:constrLst>
-        <dgm:ruleLst/>
-      </dgm:if>
-      <dgm:else name="Name3">
-        <dgm:alg type="composite"/>
-        <dgm:shape xmlns:r="http://schemas.openxmlformats.org/officeDocument/2006/relationships" r:blip="">
-          <dgm:adjLst/>
-        </dgm:shape>
-        <dgm:presOf/>
-        <dgm:constrLst>
-          <dgm:constr type="primFontSz" for="ch" ptType="node" op="equ" val="65"/>
-        </dgm:constrLst>
-        <dgm:ruleLst/>
-      </dgm:else>
-    </dgm:choose>
-    <dgm:choose name="Name4">
-      <dgm:if name="Name5" axis="ch" ptType="node" func="cnt" op="equ" val="2">
-        <dgm:layoutNode name="node1">
-          <dgm:varLst>
-            <dgm:bulletEnabled val="1"/>
-          </dgm:varLst>
-          <dgm:alg type="tx"/>
-          <dgm:shape xmlns:r="http://schemas.openxmlformats.org/officeDocument/2006/relationships" type="roundRect" r:blip="">
-            <dgm:adjLst/>
-          </dgm:shape>
-          <dgm:presOf axis="ch desOrSelf" ptType="node node" st="1 1" cnt="1 0"/>
-          <dgm:constrLst>
-            <dgm:constr type="tMarg" refType="primFontSz" fact="0.3"/>
-            <dgm:constr type="bMarg" refType="primFontSz" fact="0.3"/>
-            <dgm:constr type="lMarg" refType="primFontSz" fact="0.3"/>
-            <dgm:constr type="rMarg" refType="primFontSz" fact="0.3"/>
-          </dgm:constrLst>
-          <dgm:ruleLst>
-            <dgm:rule type="primFontSz" val="5" fact="NaN" max="NaN"/>
-          </dgm:ruleLst>
-        </dgm:layoutNode>
-        <dgm:layoutNode name="sibTrans" styleLbl="bgShp">
-          <dgm:choose name="Name6">
-            <dgm:if name="Name7" func="var" arg="dir" op="equ" val="norm">
-              <dgm:alg type="conn">
-                <dgm:param type="connRout" val="longCurve"/>
-                <dgm:param type="begPts" val="midR"/>
-                <dgm:param type="endPts" val="midL"/>
-                <dgm:param type="dstNode" val="node1"/>
-              </dgm:alg>
-              <dgm:shape xmlns:r="http://schemas.openxmlformats.org/officeDocument/2006/relationships" type="conn" r:blip="" zOrderOff="-2">
-                <dgm:adjLst/>
-              </dgm:shape>
-              <dgm:presOf axis="ch" ptType="sibTrans"/>
-              <dgm:constrLst>
-                <dgm:constr type="userA"/>
-                <dgm:constr type="diam" refType="userA" fact="-1"/>
-                <dgm:constr type="wArH" refType="userA" fact="0.05"/>
-                <dgm:constr type="hArH" refType="userA" fact="0.1"/>
-                <dgm:constr type="stemThick" refType="userA" fact="0.06"/>
-                <dgm:constr type="begPad" refType="connDist" fact="-0.2"/>
-                <dgm:constr type="endPad" refType="connDist" fact="0.05"/>
-              </dgm:constrLst>
-            </dgm:if>
-            <dgm:else name="Name8">
-              <dgm:alg type="conn">
-                <dgm:param type="connRout" val="longCurve"/>
-                <dgm:param type="begPts" val="midL"/>
-                <dgm:param type="endPts" val="midR"/>
-                <dgm:param type="dstNode" val="node1"/>
-              </dgm:alg>
-              <dgm:shape xmlns:r="http://schemas.openxmlformats.org/officeDocument/2006/relationships" type="conn" r:blip="" zOrderOff="-2">
-                <dgm:adjLst/>
-              </dgm:shape>
-              <dgm:presOf axis="ch" ptType="sibTrans"/>
-              <dgm:constrLst>
-                <dgm:constr type="userA"/>
-                <dgm:constr type="diam" refType="userA"/>
-                <dgm:constr type="wArH" refType="userA" fact="0.05"/>
-                <dgm:constr type="hArH" refType="userA" fact="0.1"/>
-                <dgm:constr type="stemThick" refType="userA" fact="0.06"/>
-                <dgm:constr type="begPad" refType="connDist" fact="-0.2"/>
-                <dgm:constr type="endPad" refType="connDist" fact="0.05"/>
-              </dgm:constrLst>
-            </dgm:else>
-          </dgm:choose>
-          <dgm:ruleLst/>
-        </dgm:layoutNode>
-        <dgm:layoutNode name="node2">
-          <dgm:varLst>
-            <dgm:bulletEnabled val="1"/>
-          </dgm:varLst>
-          <dgm:alg type="tx"/>
-          <dgm:shape xmlns:r="http://schemas.openxmlformats.org/officeDocument/2006/relationships" type="roundRect" r:blip="">
-            <dgm:adjLst/>
-          </dgm:shape>
-          <dgm:presOf axis="ch desOrSelf" ptType="node node" st="2 1" cnt="1 0"/>
-          <dgm:constrLst>
-            <dgm:constr type="tMarg" refType="primFontSz" fact="0.3"/>
-            <dgm:constr type="bMarg" refType="primFontSz" fact="0.3"/>
-            <dgm:constr type="lMarg" refType="primFontSz" fact="0.3"/>
-            <dgm:constr type="rMarg" refType="primFontSz" fact="0.3"/>
-          </dgm:constrLst>
-          <dgm:ruleLst>
-            <dgm:rule type="primFontSz" val="5" fact="NaN" max="NaN"/>
-          </dgm:ruleLst>
-        </dgm:layoutNode>
-        <dgm:layoutNode name="sp1">
-          <dgm:alg type="sp"/>
-          <dgm:shape xmlns:r="http://schemas.openxmlformats.org/officeDocument/2006/relationships" r:blip="">
-            <dgm:adjLst/>
-          </dgm:shape>
-          <dgm:presOf/>
-          <dgm:constrLst/>
-          <dgm:ruleLst/>
-        </dgm:layoutNode>
-        <dgm:layoutNode name="sp2">
-          <dgm:alg type="sp"/>
-          <dgm:shape xmlns:r="http://schemas.openxmlformats.org/officeDocument/2006/relationships" r:blip="">
-            <dgm:adjLst/>
-          </dgm:shape>
-          <dgm:presOf/>
-          <dgm:constrLst/>
-          <dgm:ruleLst/>
-        </dgm:layoutNode>
-      </dgm:if>
-      <dgm:else name="Name9">
-        <dgm:layoutNode name="cycle">
-          <dgm:choose name="Name10">
-            <dgm:if name="Name11" func="var" arg="dir" op="equ" val="norm">
-              <dgm:alg type="cycle">
-                <dgm:param type="stAng" val="0"/>
-                <dgm:param type="spanAng" val="360"/>
-              </dgm:alg>
-              <dgm:shape xmlns:r="http://schemas.openxmlformats.org/officeDocument/2006/relationships" r:blip="">
-                <dgm:adjLst/>
-              </dgm:shape>
-              <dgm:presOf/>
-              <dgm:constrLst>
-                <dgm:constr type="diam" refType="w"/>
-                <dgm:constr type="w" for="ch" ptType="node" refType="w"/>
-                <dgm:constr type="sibSp" val="15"/>
-                <dgm:constr type="userA" for="ch" ptType="sibTrans" refType="diam" op="equ" fact="-1"/>
-                <dgm:constr type="wArH" for="ch" ptType="sibTrans" refType="diam" op="equ" fact="0.05"/>
-                <dgm:constr type="hArH" for="ch" ptType="sibTrans" refType="diam" op="equ" fact="0.1"/>
-                <dgm:constr type="stemThick" for="ch" ptType="sibTrans" refType="diam" op="equ" fact="0.065"/>
-                <dgm:constr type="primFontSz" for="ch" ptType="node" op="equ"/>
-              </dgm:constrLst>
-            </dgm:if>
-            <dgm:else name="Name12">
-              <dgm:alg type="cycle">
-                <dgm:param type="stAng" val="0"/>
-                <dgm:param type="spanAng" val="-360"/>
-              </dgm:alg>
-              <dgm:shape xmlns:r="http://schemas.openxmlformats.org/officeDocument/2006/relationships" r:blip="">
-                <dgm:adjLst/>
-              </dgm:shape>
-              <dgm:presOf/>
-              <dgm:constrLst>
-                <dgm:constr type="diam" refType="w"/>
-                <dgm:constr type="w" for="ch" ptType="node" refType="w"/>
-                <dgm:constr type="sibSp" val="15"/>
-                <dgm:constr type="userA" for="ch" ptType="sibTrans" refType="diam" op="equ"/>
-                <dgm:constr type="wArH" for="ch" ptType="sibTrans" refType="diam" op="equ" fact="0.05"/>
-                <dgm:constr type="hArH" for="ch" ptType="sibTrans" refType="diam" op="equ" fact="0.1"/>
-                <dgm:constr type="stemThick" for="ch" ptType="sibTrans" refType="diam" op="equ" fact="0.065"/>
-                <dgm:constr type="primFontSz" for="ch" ptType="node" op="equ"/>
-              </dgm:constrLst>
-            </dgm:else>
-          </dgm:choose>
-          <dgm:ruleLst/>
-          <dgm:forEach name="nodesFirstNodeForEach" axis="ch" ptType="node" cnt="1">
-            <dgm:layoutNode name="nodeFirstNode">
-              <dgm:varLst>
-                <dgm:bulletEnabled val="1"/>
-              </dgm:varLst>
-              <dgm:alg type="tx"/>
-              <dgm:shape xmlns:r="http://schemas.openxmlformats.org/officeDocument/2006/relationships" type="roundRect" r:blip="">
-                <dgm:adjLst/>
-              </dgm:shape>
-              <dgm:presOf axis="desOrSelf" ptType="node"/>
-              <dgm:constrLst>
-                <dgm:constr type="h" refType="w" fact="0.5"/>
-                <dgm:constr type="primFontSz" val="65"/>
-                <dgm:constr type="tMarg" refType="primFontSz" fact="0.3"/>
-                <dgm:constr type="bMarg" refType="primFontSz" fact="0.3"/>
-                <dgm:constr type="lMarg" refType="primFontSz" fact="0.3"/>
-                <dgm:constr type="rMarg" refType="primFontSz" fact="0.3"/>
-              </dgm:constrLst>
-              <dgm:ruleLst>
-                <dgm:rule type="primFontSz" val="5" fact="NaN" max="NaN"/>
-              </dgm:ruleLst>
-            </dgm:layoutNode>
-            <dgm:forEach name="sibTransForEach" axis="followSib" ptType="sibTrans" cnt="1">
-              <dgm:layoutNode name="sibTransFirstNode" styleLbl="bgShp">
-                <dgm:choose name="Name13">
-                  <dgm:if name="Name14" func="var" arg="dir" op="equ" val="norm">
-                    <dgm:alg type="conn">
-                      <dgm:param type="connRout" val="longCurve"/>
-                      <dgm:param type="begPts" val="midR"/>
-                      <dgm:param type="endPts" val="midL"/>
-                      <dgm:param type="dstNode" val="nodeFirstNode"/>
-                    </dgm:alg>
-                  </dgm:if>
-                  <dgm:else name="Name15">
-                    <dgm:alg type="conn">
-                      <dgm:param type="connRout" val="longCurve"/>
-                      <dgm:param type="begPts" val="midL"/>
-                      <dgm:param type="endPts" val="midR"/>
-                      <dgm:param type="dstNode" val="nodeFirstNode"/>
-                    </dgm:alg>
-                  </dgm:else>
-                </dgm:choose>
-                <dgm:shape xmlns:r="http://schemas.openxmlformats.org/officeDocument/2006/relationships" type="conn" r:blip="" zOrderOff="-2">
-                  <dgm:adjLst/>
-                </dgm:shape>
-                <dgm:presOf axis="self"/>
-                <dgm:choose name="Name16">
-                  <dgm:if name="Name17" axis="par ch" ptType="doc node" func="cnt" op="equ" val="3">
-                    <dgm:constrLst>
-                      <dgm:constr type="userA"/>
-                      <dgm:constr type="diam" refType="userA" fact="1.01"/>
-                      <dgm:constr type="begPad" refType="connDist" fact="-0.2"/>
-                      <dgm:constr type="endPad" refType="connDist" fact="0.05"/>
-                    </dgm:constrLst>
-                  </dgm:if>
-                  <dgm:if name="Name18" axis="par ch" ptType="doc node" func="cnt" op="equ" val="4">
-                    <dgm:constrLst>
-                      <dgm:constr type="userA"/>
-                      <dgm:constr type="diam" refType="userA" fact="1.26"/>
-                      <dgm:constr type="begPad" refType="connDist" fact="-0.2"/>
-                      <dgm:constr type="endPad" refType="connDist" fact="0.05"/>
-                    </dgm:constrLst>
-                  </dgm:if>
-                  <dgm:if name="Name19" axis="par ch" ptType="doc node" func="cnt" op="equ" val="5">
-                    <dgm:constrLst>
-                      <dgm:constr type="userA"/>
-                      <dgm:constr type="diam" refType="userA" fact="1.04"/>
-                      <dgm:constr type="begPad" refType="connDist" fact="-0.2"/>
-                      <dgm:constr type="endPad" refType="connDist" fact="0.05"/>
-                    </dgm:constrLst>
-                  </dgm:if>
-                  <dgm:if name="Name20" axis="par ch" ptType="doc node" func="cnt" op="equ" val="6">
-                    <dgm:constrLst>
-                      <dgm:constr type="userA"/>
-                      <dgm:constr type="diam" refType="userA" fact="1.1"/>
-                      <dgm:constr type="begPad" refType="connDist" fact="-0.2"/>
-                      <dgm:constr type="endPad" refType="connDist" fact="0.05"/>
-                    </dgm:constrLst>
-                  </dgm:if>
-                  <dgm:else name="Name21">
-                    <dgm:constrLst>
-                      <dgm:constr type="userA"/>
-                      <dgm:constr type="diam" refType="userA" fact="1.04"/>
-                      <dgm:constr type="begPad" refType="connDist" fact="-0.2"/>
-                      <dgm:constr type="endPad" refType="connDist" fact="0.05"/>
-                    </dgm:constrLst>
-                  </dgm:else>
-                </dgm:choose>
-                <dgm:ruleLst/>
-              </dgm:layoutNode>
-            </dgm:forEach>
-          </dgm:forEach>
-          <dgm:forEach name="followingNodesForEach" axis="ch" ptType="node" st="2">
-            <dgm:layoutNode name="nodeFollowingNodes">
-              <dgm:varLst>
-                <dgm:bulletEnabled val="1"/>
-              </dgm:varLst>
-              <dgm:alg type="tx"/>
-              <dgm:shape xmlns:r="http://schemas.openxmlformats.org/officeDocument/2006/relationships" type="roundRect" r:blip="">
-                <dgm:adjLst/>
-              </dgm:shape>
-              <dgm:presOf axis="desOrSelf" ptType="node"/>
-              <dgm:constrLst>
-                <dgm:constr type="h" refType="w" fact="0.5"/>
-                <dgm:constr type="primFontSz" val="65"/>
-                <dgm:constr type="tMarg" refType="primFontSz" fact="0.3"/>
-                <dgm:constr type="bMarg" refType="primFontSz" fact="0.3"/>
-                <dgm:constr type="lMarg" refType="primFontSz" fact="0.3"/>
-                <dgm:constr type="rMarg" refType="primFontSz" fact="0.3"/>
-              </dgm:constrLst>
-              <dgm:ruleLst>
-                <dgm:rule type="primFontSz" val="5" fact="NaN" max="NaN"/>
-              </dgm:ruleLst>
-            </dgm:layoutNode>
-          </dgm:forEach>
-        </dgm:layoutNode>
-      </dgm:else>
-    </dgm:choose>
-  </dgm:layoutNode>
-</dgm:layoutDef>
-</file>
-
 <file path=ppt/diagrams/quickStyle1.xml><?xml version="1.0" encoding="utf-8"?>
-<dgm:styleDef xmlns:dgm="http://schemas.openxmlformats.org/drawingml/2006/diagram" xmlns:a="http://schemas.openxmlformats.org/drawingml/2006/main" uniqueId="urn:microsoft.com/office/officeart/2005/8/quickstyle/simple1">
-  <dgm:title val=""/>
-  <dgm:desc val=""/>
-  <dgm:catLst>
-    <dgm:cat type="simple" pri="10100"/>
-  </dgm:catLst>
-  <dgm:scene3d>
-    <a:camera prst="orthographicFront"/>
-    <a:lightRig rig="threePt" dir="t"/>
-  </dgm:scene3d>
-  <dgm:styleLbl name="node0">
-    <dgm:scene3d>
-      <a:camera prst="orthographicFront"/>
-      <a:lightRig rig="threePt" dir="t"/>
-    </dgm:scene3d>
-    <dgm:sp3d/>
-    <dgm:txPr/>
-    <dgm:style>
-      <a:lnRef idx="2">
-        <a:scrgbClr r="0" g="0" b="0"/>
-      </a:lnRef>
-      <a:fillRef idx="1">
-        <a:scrgbClr r="0" g="0" b="0"/>
-      </a:fillRef>
-      <a:effectRef idx="0">
-        <a:scrgbClr r="0" g="0" b="0"/>
-      </a:effectRef>
-      <a:fontRef idx="minor">
-        <a:schemeClr val="lt1"/>
-      </a:fontRef>
-    </dgm:style>
-  </dgm:styleLbl>
-  <dgm:styleLbl name="lnNode1">
-    <dgm:scene3d>
-      <a:camera prst="orthographicFront"/>
-      <a:lightRig rig="threePt" dir="t"/>
-    </dgm:scene3d>
-    <dgm:sp3d/>
-    <dgm:txPr/>
-    <dgm:style>
-      <a:lnRef idx="2">
-        <a:scrgbClr r="0" g="0" b="0"/>
-      </a:lnRef>
-      <a:fillRef idx="1">
-        <a:scrgbClr r="0" g="0" b="0"/>
-      </a:fillRef>
-      <a:effectRef idx="0">
-        <a:scrgbClr r="0" g="0" b="0"/>
-      </a:effectRef>
-      <a:fontRef idx="minor">
-        <a:schemeClr val="lt1"/>
-      </a:fontRef>
-    </dgm:style>
-  </dgm:styleLbl>
-  <dgm:styleLbl name="vennNode1">
-    <dgm:scene3d>
-      <a:camera prst="orthographicFront"/>
-      <a:lightRig rig="threePt" dir="t"/>
-    </dgm:scene3d>
-    <dgm:sp3d/>
-    <dgm:txPr/>
-    <dgm:style>
-      <a:lnRef idx="2">
-        <a:scrgbClr r="0" g="0" b="0"/>
-      </a:lnRef>
-      <a:fillRef idx="1">
-        <a:scrgbClr r="0" g="0" b="0"/>
-      </a:fillRef>
-      <a:effectRef idx="0">
-        <a:scrgbClr r="0" g="0" b="0"/>
-      </a:effectRef>
-      <a:fontRef idx="minor">
-        <a:schemeClr val="tx1"/>
-      </a:fontRef>
-    </dgm:style>
-  </dgm:styleLbl>
-  <dgm:styleLbl name="alignNode1">
-    <dgm:scene3d>
-      <a:camera prst="orthographicFront"/>
-      <a:lightRig rig="threePt" dir="t"/>
-    </dgm:scene3d>
-    <dgm:sp3d/>
-    <dgm:txPr/>
-    <dgm:style>
-      <a:lnRef idx="2">
-        <a:scrgbClr r="0" g="0" b="0"/>
-      </a:lnRef>
-      <a:fillRef idx="1">
-        <a:scrgbClr r="0" g="0" b="0"/>
-      </a:fillRef>
-      <a:effectRef idx="0">
-        <a:scrgbClr r="0" g="0" b="0"/>
-      </a:effectRef>
-      <a:fontRef idx="minor">
-        <a:schemeClr val="lt1"/>
-      </a:fontRef>
-    </dgm:style>
-  </dgm:styleLbl>
-  <dgm:styleLbl name="node1">
-    <dgm:scene3d>
-      <a:camera prst="orthographicFront"/>
-      <a:lightRig rig="threePt" dir="t"/>
-    </dgm:scene3d>
-    <dgm:sp3d/>
-    <dgm:txPr/>
-    <dgm:style>
-      <a:lnRef idx="2">
-        <a:scrgbClr r="0" g="0" b="0"/>
-      </a:lnRef>
-      <a:fillRef idx="1">
-        <a:scrgbClr r="0" g="0" b="0"/>
-      </a:fillRef>
-      <a:effectRef idx="0">
-        <a:scrgbClr r="0" g="0" b="0"/>
-      </a:effectRef>
-      <a:fontRef idx="minor">
-        <a:schemeClr val="lt1"/>
-      </a:fontRef>
-    </dgm:style>
-  </dgm:styleLbl>
-  <dgm:styleLbl name="node2">
-    <dgm:scene3d>
-      <a:camera prst="orthographicFront"/>
-      <a:lightRig rig="threePt" dir="t"/>
-    </dgm:scene3d>
-    <dgm:sp3d/>
-    <dgm:txPr/>
-    <dgm:style>
-      <a:lnRef idx="2">
-        <a:scrgbClr r="0" g="0" b="0"/>
-      </a:lnRef>
-      <a:fillRef idx="1">
-        <a:scrgbClr r="0" g="0" b="0"/>
-      </a:fillRef>
-      <a:effectRef idx="0">
-        <a:scrgbClr r="0" g="0" b="0"/>
-      </a:effectRef>
-      <a:fontRef idx="minor">
-        <a:schemeClr val="lt1"/>
-      </a:fontRef>
-    </dgm:style>
-  </dgm:styleLbl>
-  <dgm:styleLbl name="node3">
-    <dgm:scene3d>
-      <a:camera prst="orthographicFront"/>
-      <a:lightRig rig="threePt" dir="t"/>
-    </dgm:scene3d>
-    <dgm:sp3d/>
-    <dgm:txPr/>
-    <dgm:style>
-      <a:lnRef idx="2">
-        <a:scrgbClr r="0" g="0" b="0"/>
-      </a:lnRef>
-      <a:fillRef idx="1">
-        <a:scrgbClr r="0" g="0" b="0"/>
-      </a:fillRef>
-      <a:effectRef idx="0">
-        <a:scrgbClr r="0" g="0" b="0"/>
-      </a:effectRef>
-      <a:fontRef idx="minor">
-        <a:schemeClr val="lt1"/>
-      </a:fontRef>
-    </dgm:style>
-  </dgm:styleLbl>
-  <dgm:styleLbl name="node4">
-    <dgm:scene3d>
-      <a:camera prst="orthographicFront"/>
-      <a:lightRig rig="threePt" dir="t"/>
-    </dgm:scene3d>
-    <dgm:sp3d/>
-    <dgm:txPr/>
-    <dgm:style>
-      <a:lnRef idx="2">
-        <a:scrgbClr r="0" g="0" b="0"/>
-      </a:lnRef>
-      <a:fillRef idx="1">
-        <a:scrgbClr r="0" g="0" b="0"/>
-      </a:fillRef>
-      <a:effectRef idx="0">
-        <a:scrgbClr r="0" g="0" b="0"/>
-      </a:effectRef>
-      <a:fontRef idx="minor">
-        <a:schemeClr val="lt1"/>
-      </a:fontRef>
-    </dgm:style>
-  </dgm:styleLbl>
-  <dgm:styleLbl name="fgImgPlace1">
-    <dgm:scene3d>
-      <a:camera prst="orthographicFront"/>
-      <a:lightRig rig="threePt" dir="t"/>
-    </dgm:scene3d>
-    <dgm:sp3d/>
-    <dgm:txPr/>
-    <dgm:style>
-      <a:lnRef idx="2">
-        <a:scrgbClr r="0" g="0" b="0"/>
-      </a:lnRef>
-      <a:fillRef idx="1">
-        <a:scrgbClr r="0" g="0" b="0"/>
-      </a:fillRef>
-      <a:effectRef idx="0">
-        <a:scrgbClr r="0" g="0" b="0"/>
-      </a:effectRef>
-      <a:fontRef idx="minor"/>
-    </dgm:style>
-  </dgm:styleLbl>
-  <dgm:styleLbl name="alignImgPlace1">
-    <dgm:scene3d>
-      <a:camera prst="orthographicFront"/>
-      <a:lightRig rig="threePt" dir="t"/>
-    </dgm:scene3d>
-    <dgm:sp3d/>
-    <dgm:txPr/>
-    <dgm:style>
-      <a:lnRef idx="2">
-        <a:scrgbClr r="0" g="0" b="0"/>
-      </a:lnRef>
-      <a:fillRef idx="1">
-        <a:scrgbClr r="0" g="0" b="0"/>
-      </a:fillRef>
-      <a:effectRef idx="0">
-        <a:scrgbClr r="0" g="0" b="0"/>
-      </a:effectRef>
-      <a:fontRef idx="minor"/>
-    </dgm:style>
-  </dgm:styleLbl>
-  <dgm:styleLbl name="bgImgPlace1">
-    <dgm:scene3d>
-      <a:camera prst="orthographicFront"/>
-      <a:lightRig rig="threePt" dir="t"/>
-    </dgm:scene3d>
-    <dgm:sp3d/>
-    <dgm:txPr/>
-    <dgm:style>
-      <a:lnRef idx="2">
-        <a:scrgbClr r="0" g="0" b="0"/>
-      </a:lnRef>
-      <a:fillRef idx="1">
-        <a:scrgbClr r="0" g="0" b="0"/>
-      </a:fillRef>
-      <a:effectRef idx="0">
-        <a:scrgbClr r="0" g="0" b="0"/>
-      </a:effectRef>
-      <a:fontRef idx="minor"/>
-    </dgm:style>
-  </dgm:styleLbl>
-  <dgm:styleLbl name="sibTrans2D1">
-    <dgm:scene3d>
-      <a:camera prst="orthographicFront"/>
-      <a:lightRig rig="threePt" dir="t"/>
-    </dgm:scene3d>
-    <dgm:sp3d/>
-    <dgm:txPr/>
-    <dgm:style>
-      <a:lnRef idx="0">
-        <a:scrgbClr r="0" g="0" b="0"/>
-      </a:lnRef>
-      <a:fillRef idx="1">
-        <a:scrgbClr r="0" g="0" b="0"/>
-      </a:fillRef>
-      <a:effectRef idx="0">
-        <a:scrgbClr r="0" g="0" b="0"/>
-      </a:effectRef>
-      <a:fontRef idx="minor">
-        <a:schemeClr val="lt1"/>
-      </a:fontRef>
-    </dgm:style>
-  </dgm:styleLbl>
-  <dgm:styleLbl name="fgSibTrans2D1">
-    <dgm:scene3d>
-      <a:camera prst="orthographicFront"/>
-      <a:lightRig rig="threePt" dir="t"/>
-    </dgm:scene3d>
-    <dgm:sp3d/>
-    <dgm:txPr/>
-    <dgm:style>
-      <a:lnRef idx="0">
-        <a:scrgbClr r="0" g="0" b="0"/>
-      </a:lnRef>
-      <a:fillRef idx="1">
-        <a:scrgbClr r="0" g="0" b="0"/>
-      </a:fillRef>
-      <a:effectRef idx="0">
-        <a:scrgbClr r="0" g="0" b="0"/>
-      </a:effectRef>
-      <a:fontRef idx="minor">
-        <a:schemeClr val="lt1"/>
-      </a:fontRef>
-    </dgm:style>
-  </dgm:styleLbl>
-  <dgm:styleLbl name="bgSibTrans2D1">
-    <dgm:scene3d>
-      <a:camera prst="orthographicFront"/>
-      <a:lightRig rig="threePt" dir="t"/>
-    </dgm:scene3d>
-    <dgm:sp3d/>
-    <dgm:txPr/>
-    <dgm:style>
-      <a:lnRef idx="0">
-        <a:scrgbClr r="0" g="0" b="0"/>
-      </a:lnRef>
-      <a:fillRef idx="1">
-        <a:scrgbClr r="0" g="0" b="0"/>
-      </a:fillRef>
-      <a:effectRef idx="0">
-        <a:scrgbClr r="0" g="0" b="0"/>
-      </a:effectRef>
-      <a:fontRef idx="minor">
-        <a:schemeClr val="lt1"/>
-      </a:fontRef>
-    </dgm:style>
-  </dgm:styleLbl>
-  <dgm:styleLbl name="sibTrans1D1">
-    <dgm:scene3d>
-      <a:camera prst="orthographicFront"/>
-      <a:lightRig rig="threePt" dir="t"/>
-    </dgm:scene3d>
-    <dgm:sp3d/>
-    <dgm:txPr/>
-    <dgm:style>
-      <a:lnRef idx="1">
-        <a:scrgbClr r="0" g="0" b="0"/>
-      </a:lnRef>
-      <a:fillRef idx="0">
-        <a:scrgbClr r="0" g="0" b="0"/>
-      </a:fillRef>
-      <a:effectRef idx="0">
-        <a:scrgbClr r="0" g="0" b="0"/>
-      </a:effectRef>
-      <a:fontRef idx="minor"/>
-    </dgm:style>
-  </dgm:styleLbl>
-  <dgm:styleLbl name="callout">
-    <dgm:scene3d>
-      <a:camera prst="orthographicFront"/>
-      <a:lightRig rig="threePt" dir="t"/>
-    </dgm:scene3d>
-    <dgm:sp3d/>
-    <dgm:txPr/>
-    <dgm:style>
-      <a:lnRef idx="2">
-        <a:scrgbClr r="0" g="0" b="0"/>
-      </a:lnRef>
-      <a:fillRef idx="1">
-        <a:scrgbClr r="0" g="0" b="0"/>
-      </a:fillRef>
-      <a:effectRef idx="0">
-        <a:scrgbClr r="0" g="0" b="0"/>
-      </a:effectRef>
-      <a:fontRef idx="minor"/>
-    </dgm:style>
-  </dgm:styleLbl>
-  <dgm:styleLbl name="asst0">
-    <dgm:scene3d>
-      <a:camera prst="orthographicFront"/>
-      <a:lightRig rig="threePt" dir="t"/>
-    </dgm:scene3d>
-    <dgm:sp3d/>
-    <dgm:txPr/>
-    <dgm:style>
-      <a:lnRef idx="2">
-        <a:scrgbClr r="0" g="0" b="0"/>
-      </a:lnRef>
-      <a:fillRef idx="1">
-        <a:scrgbClr r="0" g="0" b="0"/>
-      </a:fillRef>
-      <a:effectRef idx="0">
-        <a:scrgbClr r="0" g="0" b="0"/>
-      </a:effectRef>
-      <a:fontRef idx="minor">
-        <a:schemeClr val="lt1"/>
-      </a:fontRef>
-    </dgm:style>
-  </dgm:styleLbl>
-  <dgm:styleLbl name="asst1">
-    <dgm:scene3d>
-      <a:camera prst="orthographicFront"/>
-      <a:lightRig rig="threePt" dir="t"/>
-    </dgm:scene3d>
-    <dgm:sp3d/>
-    <dgm:txPr/>
-    <dgm:style>
-      <a:lnRef idx="2">
-        <a:scrgbClr r="0" g="0" b="0"/>
-      </a:lnRef>
-      <a:fillRef idx="1">
-        <a:scrgbClr r="0" g="0" b="0"/>
-      </a:fillRef>
-      <a:effectRef idx="0">
-        <a:scrgbClr r="0" g="0" b="0"/>
-      </a:effectRef>
-      <a:fontRef idx="minor">
-        <a:schemeClr val="lt1"/>
-      </a:fontRef>
-    </dgm:style>
-  </dgm:styleLbl>
-  <dgm:styleLbl name="asst2">
-    <dgm:scene3d>
-      <a:camera prst="orthographicFront"/>
-      <a:lightRig rig="threePt" dir="t"/>
-    </dgm:scene3d>
-    <dgm:sp3d/>
-    <dgm:txPr/>
-    <dgm:style>
-      <a:lnRef idx="2">
-        <a:scrgbClr r="0" g="0" b="0"/>
-      </a:lnRef>
-      <a:fillRef idx="1">
-        <a:scrgbClr r="0" g="0" b="0"/>
-      </a:fillRef>
-      <a:effectRef idx="0">
-        <a:scrgbClr r="0" g="0" b="0"/>
-      </a:effectRef>
-      <a:fontRef idx="minor">
-        <a:schemeClr val="lt1"/>
-      </a:fontRef>
-    </dgm:style>
-  </dgm:styleLbl>
-  <dgm:styleLbl name="asst3">
-    <dgm:scene3d>
-      <a:camera prst="orthographicFront"/>
-      <a:lightRig rig="threePt" dir="t"/>
-    </dgm:scene3d>
-    <dgm:sp3d/>
-    <dgm:txPr/>
-    <dgm:style>
-      <a:lnRef idx="2">
-        <a:scrgbClr r="0" g="0" b="0"/>
-      </a:lnRef>
-      <a:fillRef idx="1">
-        <a:scrgbClr r="0" g="0" b="0"/>
-      </a:fillRef>
-      <a:effectRef idx="0">
-        <a:scrgbClr r="0" g="0" b="0"/>
-      </a:effectRef>
-      <a:fontRef idx="minor">
-        <a:schemeClr val="lt1"/>
-      </a:fontRef>
-    </dgm:style>
-  </dgm:styleLbl>
-  <dgm:styleLbl name="asst4">
-    <dgm:scene3d>
-      <a:camera prst="orthographicFront"/>
-      <a:lightRig rig="threePt" dir="t"/>
-    </dgm:scene3d>
-    <dgm:sp3d/>
-    <dgm:txPr/>
-    <dgm:style>
-      <a:lnRef idx="2">
-        <a:scrgbClr r="0" g="0" b="0"/>
-      </a:lnRef>
-      <a:fillRef idx="1">
-        <a:scrgbClr r="0" g="0" b="0"/>
-      </a:fillRef>
-      <a:effectRef idx="0">
-        <a:scrgbClr r="0" g="0" b="0"/>
-      </a:effectRef>
-      <a:fontRef idx="minor">
-        <a:schemeClr val="lt1"/>
-      </a:fontRef>
-    </dgm:style>
-  </dgm:styleLbl>
-  <dgm:styleLbl name="parChTrans2D1">
-    <dgm:scene3d>
-      <a:camera prst="orthographicFront"/>
-      <a:lightRig rig="threePt" dir="t"/>
-    </dgm:scene3d>
-    <dgm:sp3d/>
-    <dgm:txPr/>
-    <dgm:style>
-      <a:lnRef idx="2">
-        <a:scrgbClr r="0" g="0" b="0"/>
-      </a:lnRef>
-      <a:fillRef idx="1">
-        <a:scrgbClr r="0" g="0" b="0"/>
-      </a:fillRef>
-      <a:effectRef idx="0">
-        <a:scrgbClr r="0" g="0" b="0"/>
-      </a:effectRef>
-      <a:fontRef idx="minor">
-        <a:schemeClr val="lt1"/>
-      </a:fontRef>
-    </dgm:style>
-  </dgm:styleLbl>
-  <dgm:styleLbl name="parChTrans2D2">
-    <dgm:scene3d>
-      <a:camera prst="orthographicFront"/>
-      <a:lightRig rig="threePt" dir="t"/>
-    </dgm:scene3d>
-    <dgm:sp3d/>
-    <dgm:txPr/>
-    <dgm:style>
-      <a:lnRef idx="2">
-        <a:scrgbClr r="0" g="0" b="0"/>
-      </a:lnRef>
-      <a:fillRef idx="1">
-        <a:scrgbClr r="0" g="0" b="0"/>
-      </a:fillRef>
-      <a:effectRef idx="0">
-        <a:scrgbClr r="0" g="0" b="0"/>
-      </a:effectRef>
-      <a:fontRef idx="minor">
-        <a:schemeClr val="lt1"/>
-      </a:fontRef>
-    </dgm:style>
-  </dgm:styleLbl>
-  <dgm:styleLbl name="parChTrans2D3">
-    <dgm:scene3d>
-      <a:camera prst="orthographicFront"/>
-      <a:lightRig rig="threePt" dir="t"/>
-    </dgm:scene3d>
-    <dgm:sp3d/>
-    <dgm:txPr/>
-    <dgm:style>
-      <a:lnRef idx="2">
-        <a:scrgbClr r="0" g="0" b="0"/>
-      </a:lnRef>
-      <a:fillRef idx="1">
-        <a:scrgbClr r="0" g="0" b="0"/>
-      </a:fillRef>
-      <a:effectRef idx="0">
-        <a:scrgbClr r="0" g="0" b="0"/>
-      </a:effectRef>
-      <a:fontRef idx="minor">
-        <a:schemeClr val="lt1"/>
-      </a:fontRef>
-    </dgm:style>
-  </dgm:styleLbl>
-  <dgm:styleLbl name="parChTrans2D4">
-    <dgm:scene3d>
-      <a:camera prst="orthographicFront"/>
-      <a:lightRig rig="threePt" dir="t"/>
-    </dgm:scene3d>
-    <dgm:sp3d/>
-    <dgm:txPr/>
-    <dgm:style>
-      <a:lnRef idx="2">
-        <a:scrgbClr r="0" g="0" b="0"/>
-      </a:lnRef>
-      <a:fillRef idx="1">
-        <a:scrgbClr r="0" g="0" b="0"/>
-      </a:fillRef>
-      <a:effectRef idx="0">
-        <a:scrgbClr r="0" g="0" b="0"/>
-      </a:effectRef>
-      <a:fontRef idx="minor">
-        <a:schemeClr val="lt1"/>
-      </a:fontRef>
-    </dgm:style>
-  </dgm:styleLbl>
-  <dgm:styleLbl name="parChTrans1D1">
-    <dgm:scene3d>
-      <a:camera prst="orthographicFront"/>
-      <a:lightRig rig="threePt" dir="t"/>
-    </dgm:scene3d>
-    <dgm:sp3d/>
-    <dgm:txPr/>
-    <dgm:style>
-      <a:lnRef idx="2">
-        <a:scrgbClr r="0" g="0" b="0"/>
-      </a:lnRef>
-      <a:fillRef idx="0">
-        <a:scrgbClr r="0" g="0" b="0"/>
-      </a:fillRef>
-      <a:effectRef idx="0">
-        <a:scrgbClr r="0" g="0" b="0"/>
-      </a:effectRef>
-      <a:fontRef idx="minor"/>
-    </dgm:style>
-  </dgm:styleLbl>
-  <dgm:styleLbl name="parChTrans1D2">
-    <dgm:scene3d>
-      <a:camera prst="orthographicFront"/>
-      <a:lightRig rig="threePt" dir="t"/>
-    </dgm:scene3d>
-    <dgm:sp3d/>
-    <dgm:txPr/>
-    <dgm:style>
-      <a:lnRef idx="2">
-        <a:scrgbClr r="0" g="0" b="0"/>
-      </a:lnRef>
-      <a:fillRef idx="0">
-        <a:scrgbClr r="0" g="0" b="0"/>
-      </a:fillRef>
-      <a:effectRef idx="0">
-        <a:scrgbClr r="0" g="0" b="0"/>
-      </a:effectRef>
-      <a:fontRef idx="minor"/>
-    </dgm:style>
-  </dgm:styleLbl>
-  <dgm:styleLbl name="parChTrans1D3">
-    <dgm:scene3d>
-      <a:camera prst="orthographicFront"/>
-      <a:lightRig rig="threePt" dir="t"/>
-    </dgm:scene3d>
-    <dgm:sp3d/>
-    <dgm:txPr/>
-    <dgm:style>
-      <a:lnRef idx="2">
-        <a:scrgbClr r="0" g="0" b="0"/>
-      </a:lnRef>
-      <a:fillRef idx="0">
-        <a:scrgbClr r="0" g="0" b="0"/>
-      </a:fillRef>
-      <a:effectRef idx="0">
-        <a:scrgbClr r="0" g="0" b="0"/>
-      </a:effectRef>
-      <a:fontRef idx="minor"/>
-    </dgm:style>
-  </dgm:styleLbl>
-  <dgm:styleLbl name="parChTrans1D4">
-    <dgm:scene3d>
-      <a:camera prst="orthographicFront"/>
-      <a:lightRig rig="threePt" dir="t"/>
-    </dgm:scene3d>
-    <dgm:sp3d/>
-    <dgm:txPr/>
-    <dgm:style>
-      <a:lnRef idx="2">
-        <a:scrgbClr r="0" g="0" b="0"/>
-      </a:lnRef>
-      <a:fillRef idx="0">
-        <a:scrgbClr r="0" g="0" b="0"/>
-      </a:fillRef>
-      <a:effectRef idx="0">
-        <a:scrgbClr r="0" g="0" b="0"/>
-      </a:effectRef>
-      <a:fontRef idx="minor"/>
-    </dgm:style>
-  </dgm:styleLbl>
-  <dgm:styleLbl name="fgAcc1">
-    <dgm:scene3d>
-      <a:camera prst="orthographicFront"/>
-      <a:lightRig rig="threePt" dir="t"/>
-    </dgm:scene3d>
-    <dgm:sp3d/>
-    <dgm:txPr/>
-    <dgm:style>
-      <a:lnRef idx="2">
-        <a:scrgbClr r="0" g="0" b="0"/>
-      </a:lnRef>
-      <a:fillRef idx="1">
-        <a:scrgbClr r="0" g="0" b="0"/>
-      </a:fillRef>
-      <a:effectRef idx="0">
-        <a:scrgbClr r="0" g="0" b="0"/>
-      </a:effectRef>
-      <a:fontRef idx="minor"/>
-    </dgm:style>
-  </dgm:styleLbl>
-  <dgm:styleLbl name="conFgAcc1">
-    <dgm:scene3d>
-      <a:camera prst="orthographicFront"/>
-      <a:lightRig rig="threePt" dir="t"/>
-    </dgm:scene3d>
-    <dgm:sp3d/>
-    <dgm:txPr/>
-    <dgm:style>
-      <a:lnRef idx="2">
-        <a:scrgbClr r="0" g="0" b="0"/>
-      </a:lnRef>
-      <a:fillRef idx="1">
-        <a:scrgbClr r="0" g="0" b="0"/>
-      </a:fillRef>
-      <a:effectRef idx="0">
-        <a:scrgbClr r="0" g="0" b="0"/>
-      </a:effectRef>
-      <a:fontRef idx="minor"/>
-    </dgm:style>
-  </dgm:styleLbl>
-  <dgm:styleLbl name="alignAcc1">
-    <dgm:scene3d>
-      <a:camera prst="orthographicFront"/>
-      <a:lightRig rig="threePt" dir="t"/>
-    </dgm:scene3d>
-    <dgm:sp3d/>
-    <dgm:txPr/>
-    <dgm:style>
-      <a:lnRef idx="2">
-        <a:scrgbClr r="0" g="0" b="0"/>
-      </a:lnRef>
-      <a:fillRef idx="1">
-        <a:scrgbClr r="0" g="0" b="0"/>
-      </a:fillRef>
-      <a:effectRef idx="0">
-        <a:scrgbClr r="0" g="0" b="0"/>
-      </a:effectRef>
-      <a:fontRef idx="minor"/>
-    </dgm:style>
-  </dgm:styleLbl>
-  <dgm:styleLbl name="trAlignAcc1">
-    <dgm:scene3d>
-      <a:camera prst="orthographicFront"/>
-      <a:lightRig rig="threePt" dir="t"/>
-    </dgm:scene3d>
-    <dgm:sp3d/>
-    <dgm:txPr/>
-    <dgm:style>
-      <a:lnRef idx="1">
-        <a:scrgbClr r="0" g="0" b="0"/>
-      </a:lnRef>
-      <a:fillRef idx="1">
-        <a:scrgbClr r="0" g="0" b="0"/>
-      </a:fillRef>
-      <a:effectRef idx="0">
-        <a:scrgbClr r="0" g="0" b="0"/>
-      </a:effectRef>
-      <a:fontRef idx="minor"/>
-    </dgm:style>
-  </dgm:styleLbl>
-  <dgm:styleLbl name="bgAcc1">
-    <dgm:scene3d>
-      <a:camera prst="orthographicFront"/>
-      <a:lightRig rig="threePt" dir="t"/>
-    </dgm:scene3d>
-    <dgm:sp3d/>
-    <dgm:txPr/>
-    <dgm:style>
-      <a:lnRef idx="2">
-        <a:scrgbClr r="0" g="0" b="0"/>
-      </a:lnRef>
-      <a:fillRef idx="1">
-        <a:scrgbClr r="0" g="0" b="0"/>
-      </a:fillRef>
-      <a:effectRef idx="0">
-        <a:scrgbClr r="0" g="0" b="0"/>
-      </a:effectRef>
-      <a:fontRef idx="minor"/>
-    </dgm:style>
-  </dgm:styleLbl>
-  <dgm:styleLbl name="solidFgAcc1">
-    <dgm:scene3d>
-      <a:camera prst="orthographicFront"/>
-      <a:lightRig rig="threePt" dir="t"/>
-    </dgm:scene3d>
-    <dgm:sp3d/>
-    <dgm:txPr/>
-    <dgm:style>
-      <a:lnRef idx="2">
-        <a:scrgbClr r="0" g="0" b="0"/>
-      </a:lnRef>
-      <a:fillRef idx="1">
-        <a:scrgbClr r="0" g="0" b="0"/>
-      </a:fillRef>
-      <a:effectRef idx="0">
-        <a:scrgbClr r="0" g="0" b="0"/>
-      </a:effectRef>
-      <a:fontRef idx="minor"/>
-    </dgm:style>
-  </dgm:styleLbl>
-  <dgm:styleLbl name="solidAlignAcc1">
-    <dgm:scene3d>
-      <a:camera prst="orthographicFront"/>
-      <a:lightRig rig="threePt" dir="t"/>
-    </dgm:scene3d>
-    <dgm:sp3d/>
-    <dgm:txPr/>
-    <dgm:style>
-      <a:lnRef idx="2">
-        <a:scrgbClr r="0" g="0" b="0"/>
-      </a:lnRef>
-      <a:fillRef idx="1">
-        <a:scrgbClr r="0" g="0" b="0"/>
-      </a:fillRef>
-      <a:effectRef idx="0">
-        <a:scrgbClr r="0" g="0" b="0"/>
-      </a:effectRef>
-      <a:fontRef idx="minor"/>
-    </dgm:style>
-  </dgm:styleLbl>
-  <dgm:styleLbl name="solidBgAcc1">
-    <dgm:scene3d>
-      <a:camera prst="orthographicFront"/>
-      <a:lightRig rig="threePt" dir="t"/>
-    </dgm:scene3d>
-    <dgm:sp3d/>
-    <dgm:txPr/>
-    <dgm:style>
-      <a:lnRef idx="2">
-        <a:scrgbClr r="0" g="0" b="0"/>
-      </a:lnRef>
-      <a:fillRef idx="1">
-        <a:scrgbClr r="0" g="0" b="0"/>
-      </a:fillRef>
-      <a:effectRef idx="0">
-        <a:scrgbClr r="0" g="0" b="0"/>
-      </a:effectRef>
-      <a:fontRef idx="minor"/>
-    </dgm:style>
-  </dgm:styleLbl>
-  <dgm:styleLbl name="fgAccFollowNode1">
-    <dgm:scene3d>
-      <a:camera prst="orthographicFront"/>
-      <a:lightRig rig="threePt" dir="t"/>
-    </dgm:scene3d>
-    <dgm:sp3d/>
-    <dgm:txPr/>
-    <dgm:style>
-      <a:lnRef idx="2">
-        <a:scrgbClr r="0" g="0" b="0"/>
-      </a:lnRef>
-      <a:fillRef idx="1">
-        <a:scrgbClr r="0" g="0" b="0"/>
-      </a:fillRef>
-      <a:effectRef idx="0">
-        <a:scrgbClr r="0" g="0" b="0"/>
-      </a:effectRef>
-      <a:fontRef idx="minor"/>
-    </dgm:style>
-  </dgm:styleLbl>
-  <dgm:styleLbl name="alignAccFollowNode1">
-    <dgm:scene3d>
-      <a:camera prst="orthographicFront"/>
-      <a:lightRig rig="threePt" dir="t"/>
-    </dgm:scene3d>
-    <dgm:sp3d/>
-    <dgm:txPr/>
-    <dgm:style>
-      <a:lnRef idx="2">
-        <a:scrgbClr r="0" g="0" b="0"/>
-      </a:lnRef>
-      <a:fillRef idx="1">
-        <a:scrgbClr r="0" g="0" b="0"/>
-      </a:fillRef>
-      <a:effectRef idx="0">
-        <a:scrgbClr r="0" g="0" b="0"/>
-      </a:effectRef>
-      <a:fontRef idx="minor"/>
-    </dgm:style>
-  </dgm:styleLbl>
-  <dgm:styleLbl name="bgAccFollowNode1">
-    <dgm:scene3d>
-      <a:camera prst="orthographicFront"/>
-      <a:lightRig rig="threePt" dir="t"/>
-    </dgm:scene3d>
-    <dgm:sp3d/>
-    <dgm:txPr/>
-    <dgm:style>
-      <a:lnRef idx="2">
-        <a:scrgbClr r="0" g="0" b="0"/>
-      </a:lnRef>
-      <a:fillRef idx="1">
-        <a:scrgbClr r="0" g="0" b="0"/>
-      </a:fillRef>
-      <a:effectRef idx="0">
-        <a:scrgbClr r="0" g="0" b="0"/>
-      </a:effectRef>
-      <a:fontRef idx="minor"/>
-    </dgm:style>
-  </dgm:styleLbl>
-  <dgm:styleLbl name="fgAcc0">
-    <dgm:scene3d>
-      <a:camera prst="orthographicFront"/>
-      <a:lightRig rig="threePt" dir="t"/>
-    </dgm:scene3d>
-    <dgm:sp3d/>
-    <dgm:txPr/>
-    <dgm:style>
-      <a:lnRef idx="2">
-        <a:scrgbClr r="0" g="0" b="0"/>
-      </a:lnRef>
-      <a:fillRef idx="1">
-        <a:scrgbClr r="0" g="0" b="0"/>
-      </a:fillRef>
-      <a:effectRef idx="0">
-        <a:scrgbClr r="0" g="0" b="0"/>
-      </a:effectRef>
-      <a:fontRef idx="minor"/>
-    </dgm:style>
-  </dgm:styleLbl>
-  <dgm:styleLbl name="fgAcc2">
-    <dgm:scene3d>
-      <a:camera prst="orthographicFront"/>
-      <a:lightRig rig="threePt" dir="t"/>
-    </dgm:scene3d>
-    <dgm:sp3d/>
-    <dgm:txPr/>
-    <dgm:style>
-      <a:lnRef idx="2">
-        <a:scrgbClr r="0" g="0" b="0"/>
-      </a:lnRef>
-      <a:fillRef idx="1">
-        <a:scrgbClr r="0" g="0" b="0"/>
-      </a:fillRef>
-      <a:effectRef idx="0">
-        <a:scrgbClr r="0" g="0" b="0"/>
-      </a:effectRef>
-      <a:fontRef idx="minor"/>
-    </dgm:style>
-  </dgm:styleLbl>
-  <dgm:styleLbl name="fgAcc3">
-    <dgm:scene3d>
-      <a:camera prst="orthographicFront"/>
-      <a:lightRig rig="threePt" dir="t"/>
-    </dgm:scene3d>
-    <dgm:sp3d/>
-    <dgm:txPr/>
-    <dgm:style>
-      <a:lnRef idx="2">
-        <a:scrgbClr r="0" g="0" b="0"/>
-      </a:lnRef>
-      <a:fillRef idx="1">
-        <a:scrgbClr r="0" g="0" b="0"/>
-      </a:fillRef>
-      <a:effectRef idx="0">
-        <a:scrgbClr r="0" g="0" b="0"/>
-      </a:effectRef>
-      <a:fontRef idx="minor"/>
-    </dgm:style>
-  </dgm:styleLbl>
-  <dgm:styleLbl name="fgAcc4">
-    <dgm:scene3d>
-      <a:camera prst="orthographicFront"/>
-      <a:lightRig rig="threePt" dir="t"/>
-    </dgm:scene3d>
-    <dgm:sp3d/>
-    <dgm:txPr/>
-    <dgm:style>
-      <a:lnRef idx="2">
-        <a:scrgbClr r="0" g="0" b="0"/>
-      </a:lnRef>
-      <a:fillRef idx="1">
-        <a:scrgbClr r="0" g="0" b="0"/>
-      </a:fillRef>
-      <a:effectRef idx="0">
-        <a:scrgbClr r="0" g="0" b="0"/>
-      </a:effectRef>
-      <a:fontRef idx="minor"/>
-    </dgm:style>
-  </dgm:styleLbl>
-  <dgm:styleLbl name="bgShp">
-    <dgm:scene3d>
-      <a:camera prst="orthographicFront"/>
-      <a:lightRig rig="threePt" dir="t"/>
-    </dgm:scene3d>
-    <dgm:sp3d/>
-    <dgm:txPr/>
-    <dgm:style>
-      <a:lnRef idx="0">
-        <a:scrgbClr r="0" g="0" b="0"/>
-      </a:lnRef>
-      <a:fillRef idx="1">
-        <a:scrgbClr r="0" g="0" b="0"/>
-      </a:fillRef>
-      <a:effectRef idx="0">
-        <a:scrgbClr r="0" g="0" b="0"/>
-      </a:effectRef>
-      <a:fontRef idx="minor"/>
-    </dgm:style>
-  </dgm:styleLbl>
-  <dgm:styleLbl name="dkBgShp">
-    <dgm:scene3d>
-      <a:camera prst="orthographicFront"/>
-      <a:lightRig rig="threePt" dir="t"/>
-    </dgm:scene3d>
-    <dgm:sp3d/>
-    <dgm:txPr/>
-    <dgm:style>
-      <a:lnRef idx="0">
-        <a:scrgbClr r="0" g="0" b="0"/>
-      </a:lnRef>
-      <a:fillRef idx="1">
-        <a:scrgbClr r="0" g="0" b="0"/>
-      </a:fillRef>
-      <a:effectRef idx="0">
-        <a:scrgbClr r="0" g="0" b="0"/>
-      </a:effectRef>
-      <a:fontRef idx="minor"/>
-    </dgm:style>
-  </dgm:styleLbl>
-  <dgm:styleLbl name="trBgShp">
-    <dgm:scene3d>
-      <a:camera prst="orthographicFront"/>
-      <a:lightRig rig="threePt" dir="t"/>
-    </dgm:scene3d>
-    <dgm:sp3d/>
-    <dgm:txPr/>
-    <dgm:style>
-      <a:lnRef idx="0">
-        <a:scrgbClr r="0" g="0" b="0"/>
-      </a:lnRef>
-      <a:fillRef idx="1">
-        <a:scrgbClr r="0" g="0" b="0"/>
-      </a:fillRef>
-      <a:effectRef idx="0">
-        <a:scrgbClr r="0" g="0" b="0"/>
-      </a:effectRef>
-      <a:fontRef idx="minor"/>
-    </dgm:style>
-  </dgm:styleLbl>
-  <dgm:styleLbl name="fgShp">
-    <dgm:scene3d>
-      <a:camera prst="orthographicFront"/>
-      <a:lightRig rig="threePt" dir="t"/>
-    </dgm:scene3d>
-    <dgm:sp3d/>
-    <dgm:txPr/>
-    <dgm:style>
-      <a:lnRef idx="2">
-        <a:scrgbClr r="0" g="0" b="0"/>
-      </a:lnRef>
-      <a:fillRef idx="1">
-        <a:scrgbClr r="0" g="0" b="0"/>
-      </a:fillRef>
-      <a:effectRef idx="0">
-        <a:scrgbClr r="0" g="0" b="0"/>
-      </a:effectRef>
-      <a:fontRef idx="minor"/>
-    </dgm:style>
-  </dgm:styleLbl>
-  <dgm:styleLbl name="revTx">
-    <dgm:scene3d>
-      <a:camera prst="orthographicFront"/>
-      <a:lightRig rig="threePt" dir="t"/>
-    </dgm:scene3d>
-    <dgm:sp3d/>
-    <dgm:txPr/>
-    <dgm:style>
-      <a:lnRef idx="0">
-        <a:scrgbClr r="0" g="0" b="0"/>
-      </a:lnRef>
-      <a:fillRef idx="0">
-        <a:scrgbClr r="0" g="0" b="0"/>
-      </a:fillRef>
-      <a:effectRef idx="0">
-        <a:scrgbClr r="0" g="0" b="0"/>
-      </a:effectRef>
-      <a:fontRef idx="minor"/>
-    </dgm:style>
-  </dgm:styleLbl>
-</dgm:styleDef>
-</file>
-
-<file path=ppt/diagrams/quickStyle2.xml><?xml version="1.0" encoding="utf-8"?>
 <dgm:styleDef xmlns:dgm="http://schemas.openxmlformats.org/drawingml/2006/diagram" xmlns:a="http://schemas.openxmlformats.org/drawingml/2006/main" uniqueId="urn:microsoft.com/office/officeart/2005/8/quickstyle/simple1">
   <dgm:title val=""/>
   <dgm:desc val=""/>
@@ -37707,7 +34677,7 @@
           <p:nvPr/>
         </p:nvPicPr>
         <p:blipFill>
-          <a:blip r:embed="rId3"/>
+          <a:blip r:embed="rId5"/>
           <a:stretch>
             <a:fillRect/>
           </a:stretch>
@@ -37722,11 +34692,136 @@
           </a:prstGeom>
         </p:spPr>
       </p:pic>
+      <p:pic>
+        <p:nvPicPr>
+          <p:cNvPr id="2" name="Slide 1">
+            <a:hlinkClick r:id="" action="ppaction://media"/>
+            <a:extLst>
+              <a:ext uri="{FF2B5EF4-FFF2-40B4-BE49-F238E27FC236}">
+                <a16:creationId xmlns:a16="http://schemas.microsoft.com/office/drawing/2014/main" id="{C9D350FE-B66C-497C-BEA5-BA6C9D03C940}"/>
+              </a:ext>
+            </a:extLst>
+          </p:cNvPr>
+          <p:cNvPicPr>
+            <a:picLocks noChangeAspect="1"/>
+          </p:cNvPicPr>
+          <p:nvPr>
+            <a:audioFile r:link="rId2"/>
+            <p:extLst>
+              <p:ext uri="{DAA4B4D4-6D71-4841-9C94-3DE7FCFB9230}">
+                <p14:media xmlns:p14="http://schemas.microsoft.com/office/powerpoint/2010/main" r:embed="rId1"/>
+              </p:ext>
+            </p:extLst>
+          </p:nvPr>
+        </p:nvPicPr>
+        <p:blipFill>
+          <a:blip r:embed="rId6"/>
+          <a:stretch>
+            <a:fillRect/>
+          </a:stretch>
+        </p:blipFill>
+        <p:spPr>
+          <a:xfrm>
+            <a:off x="8445500" y="163623"/>
+            <a:ext cx="609600" cy="609600"/>
+          </a:xfrm>
+          <a:prstGeom prst="rect">
+            <a:avLst/>
+          </a:prstGeom>
+        </p:spPr>
+      </p:pic>
     </p:spTree>
   </p:cSld>
   <p:clrMapOvr>
     <a:masterClrMapping/>
   </p:clrMapOvr>
+  <p:timing>
+    <p:tnLst>
+      <p:par>
+        <p:cTn id="1" dur="indefinite" restart="never" nodeType="tmRoot">
+          <p:childTnLst>
+            <p:seq concurrent="1" nextAc="seek">
+              <p:cTn id="2" dur="indefinite" nodeType="mainSeq">
+                <p:childTnLst>
+                  <p:par>
+                    <p:cTn id="3" fill="hold">
+                      <p:stCondLst>
+                        <p:cond delay="indefinite"/>
+                        <p:cond evt="onBegin" delay="0">
+                          <p:tn val="2"/>
+                        </p:cond>
+                      </p:stCondLst>
+                      <p:childTnLst>
+                        <p:par>
+                          <p:cTn id="4" fill="hold">
+                            <p:stCondLst>
+                              <p:cond delay="0"/>
+                            </p:stCondLst>
+                            <p:childTnLst>
+                              <p:par>
+                                <p:cTn id="5" presetID="1" presetClass="mediacall" presetSubtype="0" fill="hold" nodeType="afterEffect">
+                                  <p:stCondLst>
+                                    <p:cond delay="0"/>
+                                  </p:stCondLst>
+                                  <p:childTnLst>
+                                    <p:cmd type="call" cmd="playFrom(0.0)">
+                                      <p:cBhvr>
+                                        <p:cTn id="6" dur="21200" fill="hold"/>
+                                        <p:tgtEl>
+                                          <p:spTgt spid="2"/>
+                                        </p:tgtEl>
+                                      </p:cBhvr>
+                                    </p:cmd>
+                                  </p:childTnLst>
+                                </p:cTn>
+                              </p:par>
+                            </p:childTnLst>
+                          </p:cTn>
+                        </p:par>
+                      </p:childTnLst>
+                    </p:cTn>
+                  </p:par>
+                </p:childTnLst>
+              </p:cTn>
+              <p:prevCondLst>
+                <p:cond evt="onPrev" delay="0">
+                  <p:tgtEl>
+                    <p:sldTgt/>
+                  </p:tgtEl>
+                </p:cond>
+              </p:prevCondLst>
+              <p:nextCondLst>
+                <p:cond evt="onNext" delay="0">
+                  <p:tgtEl>
+                    <p:sldTgt/>
+                  </p:tgtEl>
+                </p:cond>
+              </p:nextCondLst>
+            </p:seq>
+            <p:audio>
+              <p:cMediaNode vol="80000">
+                <p:cTn id="7" fill="hold" display="0">
+                  <p:stCondLst>
+                    <p:cond delay="indefinite"/>
+                  </p:stCondLst>
+                  <p:endCondLst>
+                    <p:cond evt="onStopAudio" delay="0">
+                      <p:tgtEl>
+                        <p:sldTgt/>
+                      </p:tgtEl>
+                    </p:cond>
+                  </p:endCondLst>
+                </p:cTn>
+                <p:tgtEl>
+                  <p:spTgt spid="2"/>
+                </p:tgtEl>
+              </p:cMediaNode>
+            </p:audio>
+          </p:childTnLst>
+        </p:cTn>
+      </p:par>
+    </p:tnLst>
+  </p:timing>
 </p:sld>
 </file>
 
@@ -38022,12 +35117,6 @@
           <a:p>
             <a:r>
               <a:rPr lang="en-US" dirty="0"/>
-              <a:t>Data Analysis</a:t>
-            </a:r>
-          </a:p>
-          <a:p>
-            <a:r>
-              <a:rPr lang="en-US" dirty="0"/>
               <a:t>Statistics Results</a:t>
             </a:r>
           </a:p>
@@ -38045,11 +35134,136 @@
           </a:p>
         </p:txBody>
       </p:sp>
+      <p:pic>
+        <p:nvPicPr>
+          <p:cNvPr id="2" name="Slide 2">
+            <a:hlinkClick r:id="" action="ppaction://media"/>
+            <a:extLst>
+              <a:ext uri="{FF2B5EF4-FFF2-40B4-BE49-F238E27FC236}">
+                <a16:creationId xmlns:a16="http://schemas.microsoft.com/office/drawing/2014/main" id="{4F74B78A-C37F-4477-BBC6-F707FB90ABF0}"/>
+              </a:ext>
+            </a:extLst>
+          </p:cNvPr>
+          <p:cNvPicPr>
+            <a:picLocks noChangeAspect="1"/>
+          </p:cNvPicPr>
+          <p:nvPr>
+            <a:audioFile r:link="rId2"/>
+            <p:extLst>
+              <p:ext uri="{DAA4B4D4-6D71-4841-9C94-3DE7FCFB9230}">
+                <p14:media xmlns:p14="http://schemas.microsoft.com/office/powerpoint/2010/main" r:embed="rId1"/>
+              </p:ext>
+            </p:extLst>
+          </p:nvPr>
+        </p:nvPicPr>
+        <p:blipFill>
+          <a:blip r:embed="rId5"/>
+          <a:stretch>
+            <a:fillRect/>
+          </a:stretch>
+        </p:blipFill>
+        <p:spPr>
+          <a:xfrm>
+            <a:off x="8534400" y="478775"/>
+            <a:ext cx="609600" cy="609600"/>
+          </a:xfrm>
+          <a:prstGeom prst="rect">
+            <a:avLst/>
+          </a:prstGeom>
+        </p:spPr>
+      </p:pic>
     </p:spTree>
   </p:cSld>
   <p:clrMapOvr>
     <a:masterClrMapping/>
   </p:clrMapOvr>
+  <p:timing>
+    <p:tnLst>
+      <p:par>
+        <p:cTn id="1" dur="indefinite" restart="never" nodeType="tmRoot">
+          <p:childTnLst>
+            <p:seq concurrent="1" nextAc="seek">
+              <p:cTn id="2" dur="indefinite" nodeType="mainSeq">
+                <p:childTnLst>
+                  <p:par>
+                    <p:cTn id="3" fill="hold">
+                      <p:stCondLst>
+                        <p:cond delay="indefinite"/>
+                        <p:cond evt="onBegin" delay="0">
+                          <p:tn val="2"/>
+                        </p:cond>
+                      </p:stCondLst>
+                      <p:childTnLst>
+                        <p:par>
+                          <p:cTn id="4" fill="hold">
+                            <p:stCondLst>
+                              <p:cond delay="0"/>
+                            </p:stCondLst>
+                            <p:childTnLst>
+                              <p:par>
+                                <p:cTn id="5" presetID="1" presetClass="mediacall" presetSubtype="0" fill="hold" nodeType="afterEffect">
+                                  <p:stCondLst>
+                                    <p:cond delay="0"/>
+                                  </p:stCondLst>
+                                  <p:childTnLst>
+                                    <p:cmd type="call" cmd="playFrom(0.0)">
+                                      <p:cBhvr>
+                                        <p:cTn id="6" dur="19180" fill="hold"/>
+                                        <p:tgtEl>
+                                          <p:spTgt spid="2"/>
+                                        </p:tgtEl>
+                                      </p:cBhvr>
+                                    </p:cmd>
+                                  </p:childTnLst>
+                                </p:cTn>
+                              </p:par>
+                            </p:childTnLst>
+                          </p:cTn>
+                        </p:par>
+                      </p:childTnLst>
+                    </p:cTn>
+                  </p:par>
+                </p:childTnLst>
+              </p:cTn>
+              <p:prevCondLst>
+                <p:cond evt="onPrev" delay="0">
+                  <p:tgtEl>
+                    <p:sldTgt/>
+                  </p:tgtEl>
+                </p:cond>
+              </p:prevCondLst>
+              <p:nextCondLst>
+                <p:cond evt="onNext" delay="0">
+                  <p:tgtEl>
+                    <p:sldTgt/>
+                  </p:tgtEl>
+                </p:cond>
+              </p:nextCondLst>
+            </p:seq>
+            <p:audio>
+              <p:cMediaNode vol="80000">
+                <p:cTn id="7" fill="hold" display="0">
+                  <p:stCondLst>
+                    <p:cond delay="indefinite"/>
+                  </p:stCondLst>
+                  <p:endCondLst>
+                    <p:cond evt="onStopAudio" delay="0">
+                      <p:tgtEl>
+                        <p:sldTgt/>
+                      </p:tgtEl>
+                    </p:cond>
+                  </p:endCondLst>
+                </p:cTn>
+                <p:tgtEl>
+                  <p:spTgt spid="2"/>
+                </p:tgtEl>
+              </p:cMediaNode>
+            </p:audio>
+          </p:childTnLst>
+        </p:cTn>
+      </p:par>
+    </p:tnLst>
+  </p:timing>
 </p:sld>
 </file>
 
@@ -38359,11 +35573,136 @@
           </a:p>
         </p:txBody>
       </p:sp>
+      <p:pic>
+        <p:nvPicPr>
+          <p:cNvPr id="2" name="Slide 3">
+            <a:hlinkClick r:id="" action="ppaction://media"/>
+            <a:extLst>
+              <a:ext uri="{FF2B5EF4-FFF2-40B4-BE49-F238E27FC236}">
+                <a16:creationId xmlns:a16="http://schemas.microsoft.com/office/drawing/2014/main" id="{565D64AF-D428-4CB4-BAF1-3B7EF71BCE56}"/>
+              </a:ext>
+            </a:extLst>
+          </p:cNvPr>
+          <p:cNvPicPr>
+            <a:picLocks noChangeAspect="1"/>
+          </p:cNvPicPr>
+          <p:nvPr>
+            <a:audioFile r:link="rId2"/>
+            <p:extLst>
+              <p:ext uri="{DAA4B4D4-6D71-4841-9C94-3DE7FCFB9230}">
+                <p14:media xmlns:p14="http://schemas.microsoft.com/office/powerpoint/2010/main" r:embed="rId1"/>
+              </p:ext>
+            </p:extLst>
+          </p:nvPr>
+        </p:nvPicPr>
+        <p:blipFill>
+          <a:blip r:embed="rId5"/>
+          <a:stretch>
+            <a:fillRect/>
+          </a:stretch>
+        </p:blipFill>
+        <p:spPr>
+          <a:xfrm>
+            <a:off x="8415000" y="584238"/>
+            <a:ext cx="609600" cy="609600"/>
+          </a:xfrm>
+          <a:prstGeom prst="rect">
+            <a:avLst/>
+          </a:prstGeom>
+        </p:spPr>
+      </p:pic>
     </p:spTree>
   </p:cSld>
   <p:clrMapOvr>
     <a:masterClrMapping/>
   </p:clrMapOvr>
+  <p:timing>
+    <p:tnLst>
+      <p:par>
+        <p:cTn id="1" dur="indefinite" restart="never" nodeType="tmRoot">
+          <p:childTnLst>
+            <p:seq concurrent="1" nextAc="seek">
+              <p:cTn id="2" dur="indefinite" nodeType="mainSeq">
+                <p:childTnLst>
+                  <p:par>
+                    <p:cTn id="3" fill="hold">
+                      <p:stCondLst>
+                        <p:cond delay="indefinite"/>
+                        <p:cond evt="onBegin" delay="0">
+                          <p:tn val="2"/>
+                        </p:cond>
+                      </p:stCondLst>
+                      <p:childTnLst>
+                        <p:par>
+                          <p:cTn id="4" fill="hold">
+                            <p:stCondLst>
+                              <p:cond delay="0"/>
+                            </p:stCondLst>
+                            <p:childTnLst>
+                              <p:par>
+                                <p:cTn id="5" presetID="1" presetClass="mediacall" presetSubtype="0" fill="hold" nodeType="afterEffect">
+                                  <p:stCondLst>
+                                    <p:cond delay="0"/>
+                                  </p:stCondLst>
+                                  <p:childTnLst>
+                                    <p:cmd type="call" cmd="playFrom(0.0)">
+                                      <p:cBhvr>
+                                        <p:cTn id="6" dur="15534" fill="hold"/>
+                                        <p:tgtEl>
+                                          <p:spTgt spid="2"/>
+                                        </p:tgtEl>
+                                      </p:cBhvr>
+                                    </p:cmd>
+                                  </p:childTnLst>
+                                </p:cTn>
+                              </p:par>
+                            </p:childTnLst>
+                          </p:cTn>
+                        </p:par>
+                      </p:childTnLst>
+                    </p:cTn>
+                  </p:par>
+                </p:childTnLst>
+              </p:cTn>
+              <p:prevCondLst>
+                <p:cond evt="onPrev" delay="0">
+                  <p:tgtEl>
+                    <p:sldTgt/>
+                  </p:tgtEl>
+                </p:cond>
+              </p:prevCondLst>
+              <p:nextCondLst>
+                <p:cond evt="onNext" delay="0">
+                  <p:tgtEl>
+                    <p:sldTgt/>
+                  </p:tgtEl>
+                </p:cond>
+              </p:nextCondLst>
+            </p:seq>
+            <p:audio>
+              <p:cMediaNode vol="80000">
+                <p:cTn id="7" fill="hold" display="0">
+                  <p:stCondLst>
+                    <p:cond delay="indefinite"/>
+                  </p:stCondLst>
+                  <p:endCondLst>
+                    <p:cond evt="onStopAudio" delay="0">
+                      <p:tgtEl>
+                        <p:sldTgt/>
+                      </p:tgtEl>
+                    </p:cond>
+                  </p:endCondLst>
+                </p:cTn>
+                <p:tgtEl>
+                  <p:spTgt spid="2"/>
+                </p:tgtEl>
+              </p:cMediaNode>
+            </p:audio>
+          </p:childTnLst>
+        </p:cTn>
+      </p:par>
+    </p:tnLst>
+  </p:timing>
 </p:sld>
 </file>
 
@@ -38651,10 +35990,48 @@
         </p:xfrm>
         <a:graphic>
           <a:graphicData uri="http://schemas.openxmlformats.org/drawingml/2006/diagram">
-            <dgm:relIds xmlns:dgm="http://schemas.openxmlformats.org/drawingml/2006/diagram" xmlns:r="http://schemas.openxmlformats.org/officeDocument/2006/relationships" r:dm="rId2" r:lo="rId3" r:qs="rId4" r:cs="rId5"/>
+            <dgm:relIds xmlns:dgm="http://schemas.openxmlformats.org/drawingml/2006/diagram" xmlns:r="http://schemas.openxmlformats.org/officeDocument/2006/relationships" r:dm="rId4" r:lo="rId5" r:qs="rId6" r:cs="rId7"/>
           </a:graphicData>
         </a:graphic>
       </p:graphicFrame>
+      <p:pic>
+        <p:nvPicPr>
+          <p:cNvPr id="2" name="Slide 4">
+            <a:hlinkClick r:id="" action="ppaction://media"/>
+            <a:extLst>
+              <a:ext uri="{FF2B5EF4-FFF2-40B4-BE49-F238E27FC236}">
+                <a16:creationId xmlns:a16="http://schemas.microsoft.com/office/drawing/2014/main" id="{6527BF9F-F7A8-4112-8A61-1BC90C4342A9}"/>
+              </a:ext>
+            </a:extLst>
+          </p:cNvPr>
+          <p:cNvPicPr>
+            <a:picLocks noChangeAspect="1"/>
+          </p:cNvPicPr>
+          <p:nvPr>
+            <a:audioFile r:link="rId2"/>
+            <p:extLst>
+              <p:ext uri="{DAA4B4D4-6D71-4841-9C94-3DE7FCFB9230}">
+                <p14:media xmlns:p14="http://schemas.microsoft.com/office/powerpoint/2010/main" r:embed="rId1"/>
+              </p:ext>
+            </p:extLst>
+          </p:nvPr>
+        </p:nvPicPr>
+        <p:blipFill>
+          <a:blip r:embed="rId9"/>
+          <a:stretch>
+            <a:fillRect/>
+          </a:stretch>
+        </p:blipFill>
+        <p:spPr>
+          <a:xfrm>
+            <a:off x="8440400" y="535925"/>
+            <a:ext cx="609600" cy="609600"/>
+          </a:xfrm>
+          <a:prstGeom prst="rect">
+            <a:avLst/>
+          </a:prstGeom>
+        </p:spPr>
+      </p:pic>
     </p:spTree>
     <p:extLst>
       <p:ext uri="{BB962C8B-B14F-4D97-AF65-F5344CB8AC3E}">
@@ -38665,6 +36042,93 @@
   <p:clrMapOvr>
     <a:masterClrMapping/>
   </p:clrMapOvr>
+  <p:timing>
+    <p:tnLst>
+      <p:par>
+        <p:cTn id="1" dur="indefinite" restart="never" nodeType="tmRoot">
+          <p:childTnLst>
+            <p:seq concurrent="1" nextAc="seek">
+              <p:cTn id="2" dur="indefinite" nodeType="mainSeq">
+                <p:childTnLst>
+                  <p:par>
+                    <p:cTn id="3" fill="hold">
+                      <p:stCondLst>
+                        <p:cond delay="indefinite"/>
+                        <p:cond evt="onBegin" delay="0">
+                          <p:tn val="2"/>
+                        </p:cond>
+                      </p:stCondLst>
+                      <p:childTnLst>
+                        <p:par>
+                          <p:cTn id="4" fill="hold">
+                            <p:stCondLst>
+                              <p:cond delay="0"/>
+                            </p:stCondLst>
+                            <p:childTnLst>
+                              <p:par>
+                                <p:cTn id="5" presetID="1" presetClass="mediacall" presetSubtype="0" fill="hold" nodeType="afterEffect">
+                                  <p:stCondLst>
+                                    <p:cond delay="0"/>
+                                  </p:stCondLst>
+                                  <p:childTnLst>
+                                    <p:cmd type="call" cmd="playFrom(0.0)">
+                                      <p:cBhvr>
+                                        <p:cTn id="6" dur="51084" fill="hold"/>
+                                        <p:tgtEl>
+                                          <p:spTgt spid="2"/>
+                                        </p:tgtEl>
+                                      </p:cBhvr>
+                                    </p:cmd>
+                                  </p:childTnLst>
+                                </p:cTn>
+                              </p:par>
+                            </p:childTnLst>
+                          </p:cTn>
+                        </p:par>
+                      </p:childTnLst>
+                    </p:cTn>
+                  </p:par>
+                </p:childTnLst>
+              </p:cTn>
+              <p:prevCondLst>
+                <p:cond evt="onPrev" delay="0">
+                  <p:tgtEl>
+                    <p:sldTgt/>
+                  </p:tgtEl>
+                </p:cond>
+              </p:prevCondLst>
+              <p:nextCondLst>
+                <p:cond evt="onNext" delay="0">
+                  <p:tgtEl>
+                    <p:sldTgt/>
+                  </p:tgtEl>
+                </p:cond>
+              </p:nextCondLst>
+            </p:seq>
+            <p:audio>
+              <p:cMediaNode vol="80000">
+                <p:cTn id="7" fill="hold" display="0">
+                  <p:stCondLst>
+                    <p:cond delay="indefinite"/>
+                  </p:stCondLst>
+                  <p:endCondLst>
+                    <p:cond evt="onStopAudio" delay="0">
+                      <p:tgtEl>
+                        <p:sldTgt/>
+                      </p:tgtEl>
+                    </p:cond>
+                  </p:endCondLst>
+                </p:cTn>
+                <p:tgtEl>
+                  <p:spTgt spid="2"/>
+                </p:tgtEl>
+              </p:cMediaNode>
+            </p:audio>
+          </p:childTnLst>
+        </p:cTn>
+      </p:par>
+    </p:tnLst>
+  </p:timing>
 </p:sld>
 </file>
 
@@ -38923,49 +36387,251 @@
           <a:p>
             <a:r>
               <a:rPr lang="en-US" dirty="0"/>
-              <a:t>Data Analysis</a:t>
+              <a:t>Statistics Results</a:t>
             </a:r>
           </a:p>
         </p:txBody>
       </p:sp>
-      <p:graphicFrame>
-        <p:nvGraphicFramePr>
-          <p:cNvPr id="2" name="Diagram 1">
+      <p:pic>
+        <p:nvPicPr>
+          <p:cNvPr id="6" name="Picture 5">
             <a:extLst>
               <a:ext uri="{FF2B5EF4-FFF2-40B4-BE49-F238E27FC236}">
-                <a16:creationId xmlns:a16="http://schemas.microsoft.com/office/drawing/2014/main" id="{4220AB43-4A67-4E93-9869-1E433583506F}"/>
+                <a16:creationId xmlns:a16="http://schemas.microsoft.com/office/drawing/2014/main" id="{C3A87947-14E8-4072-B73F-2117AD3EB594}"/>
               </a:ext>
             </a:extLst>
           </p:cNvPr>
-          <p:cNvGraphicFramePr/>
+          <p:cNvPicPr>
+            <a:picLocks noChangeAspect="1"/>
+          </p:cNvPicPr>
+          <p:nvPr/>
+        </p:nvPicPr>
+        <p:blipFill>
+          <a:blip r:embed="rId4"/>
+          <a:stretch>
+            <a:fillRect/>
+          </a:stretch>
+        </p:blipFill>
+        <p:spPr>
+          <a:xfrm>
+            <a:off x="4458795" y="1674564"/>
+            <a:ext cx="4406480" cy="3164441"/>
+          </a:xfrm>
+          <a:prstGeom prst="rect">
+            <a:avLst/>
+          </a:prstGeom>
+          <a:effectLst>
+            <a:outerShdw blurRad="50800" dist="38100" dir="8100000" algn="tr" rotWithShape="0">
+              <a:prstClr val="black">
+                <a:alpha val="40000"/>
+              </a:prstClr>
+            </a:outerShdw>
+          </a:effectLst>
+        </p:spPr>
+      </p:pic>
+      <p:pic>
+        <p:nvPicPr>
+          <p:cNvPr id="8" name="Picture 7">
+            <a:extLst>
+              <a:ext uri="{FF2B5EF4-FFF2-40B4-BE49-F238E27FC236}">
+                <a16:creationId xmlns:a16="http://schemas.microsoft.com/office/drawing/2014/main" id="{AD0813E3-07B2-4A8F-9371-2488BD0C06E2}"/>
+              </a:ext>
+            </a:extLst>
+          </p:cNvPr>
+          <p:cNvPicPr>
+            <a:picLocks noChangeAspect="1"/>
+          </p:cNvPicPr>
+          <p:nvPr/>
+        </p:nvPicPr>
+        <p:blipFill>
+          <a:blip r:embed="rId5"/>
+          <a:stretch>
+            <a:fillRect/>
+          </a:stretch>
+        </p:blipFill>
+        <p:spPr>
+          <a:xfrm>
+            <a:off x="1211856" y="1739268"/>
+            <a:ext cx="2335575" cy="1377989"/>
+          </a:xfrm>
+          <a:prstGeom prst="rect">
+            <a:avLst/>
+          </a:prstGeom>
+          <a:effectLst>
+            <a:glow rad="101600">
+              <a:schemeClr val="accent4">
+                <a:satMod val="175000"/>
+                <a:alpha val="40000"/>
+              </a:schemeClr>
+            </a:glow>
+          </a:effectLst>
+        </p:spPr>
+      </p:pic>
+      <p:pic>
+        <p:nvPicPr>
+          <p:cNvPr id="10" name="Picture 9">
+            <a:extLst>
+              <a:ext uri="{FF2B5EF4-FFF2-40B4-BE49-F238E27FC236}">
+                <a16:creationId xmlns:a16="http://schemas.microsoft.com/office/drawing/2014/main" id="{D1EACFC1-FF47-484C-883B-6198614F913A}"/>
+              </a:ext>
+            </a:extLst>
+          </p:cNvPr>
+          <p:cNvPicPr>
+            <a:picLocks noChangeAspect="1"/>
+          </p:cNvPicPr>
+          <p:nvPr/>
+        </p:nvPicPr>
+        <p:blipFill>
+          <a:blip r:embed="rId6"/>
+          <a:stretch>
+            <a:fillRect/>
+          </a:stretch>
+        </p:blipFill>
+        <p:spPr>
+          <a:xfrm>
+            <a:off x="1659061" y="3461015"/>
+            <a:ext cx="1301071" cy="1377990"/>
+          </a:xfrm>
+          <a:prstGeom prst="rect">
+            <a:avLst/>
+          </a:prstGeom>
+        </p:spPr>
+      </p:pic>
+      <p:pic>
+        <p:nvPicPr>
+          <p:cNvPr id="2" name="Slide 5">
+            <a:hlinkClick r:id="" action="ppaction://media"/>
+            <a:extLst>
+              <a:ext uri="{FF2B5EF4-FFF2-40B4-BE49-F238E27FC236}">
+                <a16:creationId xmlns:a16="http://schemas.microsoft.com/office/drawing/2014/main" id="{88DA74C1-2028-4899-86EB-BC37CC2D15D2}"/>
+              </a:ext>
+            </a:extLst>
+          </p:cNvPr>
+          <p:cNvPicPr>
+            <a:picLocks noChangeAspect="1"/>
+          </p:cNvPicPr>
           <p:nvPr>
+            <a:audioFile r:link="rId2"/>
             <p:extLst>
-              <p:ext uri="{D42A27DB-BD31-4B8C-83A1-F6EECF244321}">
-                <p14:modId xmlns:p14="http://schemas.microsoft.com/office/powerpoint/2010/main" val="1643229652"/>
+              <p:ext uri="{DAA4B4D4-6D71-4841-9C94-3DE7FCFB9230}">
+                <p14:media xmlns:p14="http://schemas.microsoft.com/office/powerpoint/2010/main" r:embed="rId1"/>
               </p:ext>
             </p:extLst>
           </p:nvPr>
-        </p:nvGraphicFramePr>
-        <p:xfrm>
-          <a:off x="1610299" y="1391257"/>
-          <a:ext cx="5923402" cy="3441855"/>
-        </p:xfrm>
-        <a:graphic>
-          <a:graphicData uri="http://schemas.openxmlformats.org/drawingml/2006/diagram">
-            <dgm:relIds xmlns:dgm="http://schemas.openxmlformats.org/drawingml/2006/diagram" xmlns:r="http://schemas.openxmlformats.org/officeDocument/2006/relationships" r:dm="rId2" r:lo="rId3" r:qs="rId4" r:cs="rId5"/>
-          </a:graphicData>
-        </a:graphic>
-      </p:graphicFrame>
+        </p:nvPicPr>
+        <p:blipFill>
+          <a:blip r:embed="rId7"/>
+          <a:stretch>
+            <a:fillRect/>
+          </a:stretch>
+        </p:blipFill>
+        <p:spPr>
+          <a:xfrm>
+            <a:off x="8534375" y="552295"/>
+            <a:ext cx="609600" cy="609600"/>
+          </a:xfrm>
+          <a:prstGeom prst="rect">
+            <a:avLst/>
+          </a:prstGeom>
+        </p:spPr>
+      </p:pic>
     </p:spTree>
     <p:extLst>
       <p:ext uri="{BB962C8B-B14F-4D97-AF65-F5344CB8AC3E}">
-        <p14:creationId xmlns:p14="http://schemas.microsoft.com/office/powerpoint/2010/main" val="2175937649"/>
+        <p14:creationId xmlns:p14="http://schemas.microsoft.com/office/powerpoint/2010/main" val="1422325556"/>
       </p:ext>
     </p:extLst>
   </p:cSld>
   <p:clrMapOvr>
     <a:masterClrMapping/>
   </p:clrMapOvr>
+  <p:timing>
+    <p:tnLst>
+      <p:par>
+        <p:cTn id="1" dur="indefinite" restart="never" nodeType="tmRoot">
+          <p:childTnLst>
+            <p:seq concurrent="1" nextAc="seek">
+              <p:cTn id="2" dur="indefinite" nodeType="mainSeq">
+                <p:childTnLst>
+                  <p:par>
+                    <p:cTn id="3" fill="hold">
+                      <p:stCondLst>
+                        <p:cond delay="indefinite"/>
+                        <p:cond evt="onBegin" delay="0">
+                          <p:tn val="2"/>
+                        </p:cond>
+                      </p:stCondLst>
+                      <p:childTnLst>
+                        <p:par>
+                          <p:cTn id="4" fill="hold">
+                            <p:stCondLst>
+                              <p:cond delay="0"/>
+                            </p:stCondLst>
+                            <p:childTnLst>
+                              <p:par>
+                                <p:cTn id="5" presetID="1" presetClass="mediacall" presetSubtype="0" fill="hold" nodeType="afterEffect">
+                                  <p:stCondLst>
+                                    <p:cond delay="0"/>
+                                  </p:stCondLst>
+                                  <p:childTnLst>
+                                    <p:cmd type="call" cmd="playFrom(0.0)">
+                                      <p:cBhvr>
+                                        <p:cTn id="6" dur="26935" fill="hold"/>
+                                        <p:tgtEl>
+                                          <p:spTgt spid="2"/>
+                                        </p:tgtEl>
+                                      </p:cBhvr>
+                                    </p:cmd>
+                                  </p:childTnLst>
+                                </p:cTn>
+                              </p:par>
+                            </p:childTnLst>
+                          </p:cTn>
+                        </p:par>
+                      </p:childTnLst>
+                    </p:cTn>
+                  </p:par>
+                </p:childTnLst>
+              </p:cTn>
+              <p:prevCondLst>
+                <p:cond evt="onPrev" delay="0">
+                  <p:tgtEl>
+                    <p:sldTgt/>
+                  </p:tgtEl>
+                </p:cond>
+              </p:prevCondLst>
+              <p:nextCondLst>
+                <p:cond evt="onNext" delay="0">
+                  <p:tgtEl>
+                    <p:sldTgt/>
+                  </p:tgtEl>
+                </p:cond>
+              </p:nextCondLst>
+            </p:seq>
+            <p:audio>
+              <p:cMediaNode vol="80000">
+                <p:cTn id="7" fill="hold" display="0">
+                  <p:stCondLst>
+                    <p:cond delay="indefinite"/>
+                  </p:stCondLst>
+                  <p:endCondLst>
+                    <p:cond evt="onStopAudio" delay="0">
+                      <p:tgtEl>
+                        <p:sldTgt/>
+                      </p:tgtEl>
+                    </p:cond>
+                  </p:endCondLst>
+                </p:cTn>
+                <p:tgtEl>
+                  <p:spTgt spid="2"/>
+                </p:tgtEl>
+              </p:cMediaNode>
+            </p:audio>
+          </p:childTnLst>
+        </p:cTn>
+      </p:par>
+    </p:tnLst>
+  </p:timing>
 </p:sld>
 </file>
 
@@ -39019,384 +36685,6 @@
             <a:fld id="{00000000-1234-1234-1234-123412341234}" type="slidenum">
               <a:rPr lang="en" smtClean="0"/>
               <a:t>6</a:t>
-            </a:fld>
-            <a:endParaRPr lang="en"/>
-          </a:p>
-        </p:txBody>
-      </p:sp>
-      <p:sp>
-        <p:nvSpPr>
-          <p:cNvPr id="4" name="Title 2">
-            <a:extLst>
-              <a:ext uri="{FF2B5EF4-FFF2-40B4-BE49-F238E27FC236}">
-                <a16:creationId xmlns:a16="http://schemas.microsoft.com/office/drawing/2014/main" id="{5EF94240-9FE3-437D-85F7-9B49B7C4A3CB}"/>
-              </a:ext>
-            </a:extLst>
-          </p:cNvPr>
-          <p:cNvSpPr txBox="1">
-            <a:spLocks/>
-          </p:cNvSpPr>
-          <p:nvPr/>
-        </p:nvSpPr>
-        <p:spPr>
-          <a:xfrm>
-            <a:off x="729000" y="304495"/>
-            <a:ext cx="7686000" cy="857400"/>
-          </a:xfrm>
-          <a:prstGeom prst="rect">
-            <a:avLst/>
-          </a:prstGeom>
-          <a:noFill/>
-          <a:ln>
-            <a:noFill/>
-          </a:ln>
-        </p:spPr>
-        <p:txBody>
-          <a:bodyPr spcFirstLastPara="1" wrap="square" lIns="91425" tIns="91425" rIns="91425" bIns="91425" anchor="b" anchorCtr="0">
-            <a:noAutofit/>
-          </a:bodyPr>
-          <a:lstStyle>
-            <a:defPPr marR="0" lvl="0" algn="l" rtl="0">
-              <a:lnSpc>
-                <a:spcPct val="100000"/>
-              </a:lnSpc>
-              <a:spcBef>
-                <a:spcPts val="0"/>
-              </a:spcBef>
-              <a:spcAft>
-                <a:spcPts val="0"/>
-              </a:spcAft>
-            </a:defPPr>
-            <a:lvl1pPr>
-              <a:buClr>
-                <a:srgbClr val="FFFFFF"/>
-              </a:buClr>
-              <a:buSzPts val="3000"/>
-              <a:buFont typeface="Titillium Web ExtraLight"/>
-              <a:buNone/>
-              <a:defRPr sz="4800" b="1">
-                <a:solidFill>
-                  <a:srgbClr val="FFFFFF"/>
-                </a:solidFill>
-                <a:latin typeface="Titillium Web ExtraLight"/>
-                <a:ea typeface="Titillium Web ExtraLight"/>
-                <a:cs typeface="Titillium Web ExtraLight"/>
-                <a:sym typeface="Titillium Web ExtraLight"/>
-              </a:defRPr>
-            </a:lvl1pPr>
-            <a:lvl2pPr>
-              <a:buClr>
-                <a:srgbClr val="FFFFFF"/>
-              </a:buClr>
-              <a:buSzPts val="3000"/>
-              <a:buFont typeface="Titillium Web ExtraLight"/>
-              <a:buNone/>
-              <a:defRPr sz="3000">
-                <a:solidFill>
-                  <a:srgbClr val="FFFFFF"/>
-                </a:solidFill>
-                <a:latin typeface="Titillium Web ExtraLight"/>
-                <a:ea typeface="Titillium Web ExtraLight"/>
-                <a:cs typeface="Titillium Web ExtraLight"/>
-                <a:sym typeface="Titillium Web ExtraLight"/>
-              </a:defRPr>
-            </a:lvl2pPr>
-            <a:lvl3pPr>
-              <a:buClr>
-                <a:srgbClr val="FFFFFF"/>
-              </a:buClr>
-              <a:buSzPts val="3000"/>
-              <a:buFont typeface="Titillium Web ExtraLight"/>
-              <a:buNone/>
-              <a:defRPr sz="3000">
-                <a:solidFill>
-                  <a:srgbClr val="FFFFFF"/>
-                </a:solidFill>
-                <a:latin typeface="Titillium Web ExtraLight"/>
-                <a:ea typeface="Titillium Web ExtraLight"/>
-                <a:cs typeface="Titillium Web ExtraLight"/>
-                <a:sym typeface="Titillium Web ExtraLight"/>
-              </a:defRPr>
-            </a:lvl3pPr>
-            <a:lvl4pPr>
-              <a:buClr>
-                <a:srgbClr val="FFFFFF"/>
-              </a:buClr>
-              <a:buSzPts val="3000"/>
-              <a:buFont typeface="Titillium Web ExtraLight"/>
-              <a:buNone/>
-              <a:defRPr sz="3000">
-                <a:solidFill>
-                  <a:srgbClr val="FFFFFF"/>
-                </a:solidFill>
-                <a:latin typeface="Titillium Web ExtraLight"/>
-                <a:ea typeface="Titillium Web ExtraLight"/>
-                <a:cs typeface="Titillium Web ExtraLight"/>
-                <a:sym typeface="Titillium Web ExtraLight"/>
-              </a:defRPr>
-            </a:lvl4pPr>
-            <a:lvl5pPr>
-              <a:buClr>
-                <a:srgbClr val="FFFFFF"/>
-              </a:buClr>
-              <a:buSzPts val="3000"/>
-              <a:buFont typeface="Titillium Web ExtraLight"/>
-              <a:buNone/>
-              <a:defRPr sz="3000">
-                <a:solidFill>
-                  <a:srgbClr val="FFFFFF"/>
-                </a:solidFill>
-                <a:latin typeface="Titillium Web ExtraLight"/>
-                <a:ea typeface="Titillium Web ExtraLight"/>
-                <a:cs typeface="Titillium Web ExtraLight"/>
-                <a:sym typeface="Titillium Web ExtraLight"/>
-              </a:defRPr>
-            </a:lvl5pPr>
-            <a:lvl6pPr>
-              <a:buClr>
-                <a:srgbClr val="FFFFFF"/>
-              </a:buClr>
-              <a:buSzPts val="3000"/>
-              <a:buFont typeface="Titillium Web ExtraLight"/>
-              <a:buNone/>
-              <a:defRPr sz="3000">
-                <a:solidFill>
-                  <a:srgbClr val="FFFFFF"/>
-                </a:solidFill>
-                <a:latin typeface="Titillium Web ExtraLight"/>
-                <a:ea typeface="Titillium Web ExtraLight"/>
-                <a:cs typeface="Titillium Web ExtraLight"/>
-                <a:sym typeface="Titillium Web ExtraLight"/>
-              </a:defRPr>
-            </a:lvl6pPr>
-            <a:lvl7pPr>
-              <a:buClr>
-                <a:srgbClr val="FFFFFF"/>
-              </a:buClr>
-              <a:buSzPts val="3000"/>
-              <a:buFont typeface="Titillium Web ExtraLight"/>
-              <a:buNone/>
-              <a:defRPr sz="3000">
-                <a:solidFill>
-                  <a:srgbClr val="FFFFFF"/>
-                </a:solidFill>
-                <a:latin typeface="Titillium Web ExtraLight"/>
-                <a:ea typeface="Titillium Web ExtraLight"/>
-                <a:cs typeface="Titillium Web ExtraLight"/>
-                <a:sym typeface="Titillium Web ExtraLight"/>
-              </a:defRPr>
-            </a:lvl7pPr>
-            <a:lvl8pPr>
-              <a:buClr>
-                <a:srgbClr val="FFFFFF"/>
-              </a:buClr>
-              <a:buSzPts val="3000"/>
-              <a:buFont typeface="Titillium Web ExtraLight"/>
-              <a:buNone/>
-              <a:defRPr sz="3000">
-                <a:solidFill>
-                  <a:srgbClr val="FFFFFF"/>
-                </a:solidFill>
-                <a:latin typeface="Titillium Web ExtraLight"/>
-                <a:ea typeface="Titillium Web ExtraLight"/>
-                <a:cs typeface="Titillium Web ExtraLight"/>
-                <a:sym typeface="Titillium Web ExtraLight"/>
-              </a:defRPr>
-            </a:lvl8pPr>
-            <a:lvl9pPr>
-              <a:buClr>
-                <a:srgbClr val="FFFFFF"/>
-              </a:buClr>
-              <a:buSzPts val="3000"/>
-              <a:buFont typeface="Titillium Web ExtraLight"/>
-              <a:buNone/>
-              <a:defRPr sz="3000">
-                <a:solidFill>
-                  <a:srgbClr val="FFFFFF"/>
-                </a:solidFill>
-                <a:latin typeface="Titillium Web ExtraLight"/>
-                <a:ea typeface="Titillium Web ExtraLight"/>
-                <a:cs typeface="Titillium Web ExtraLight"/>
-                <a:sym typeface="Titillium Web ExtraLight"/>
-              </a:defRPr>
-            </a:lvl9pPr>
-          </a:lstStyle>
-          <a:p>
-            <a:r>
-              <a:rPr lang="en-US" dirty="0"/>
-              <a:t>Statistics Results</a:t>
-            </a:r>
-          </a:p>
-        </p:txBody>
-      </p:sp>
-      <p:pic>
-        <p:nvPicPr>
-          <p:cNvPr id="6" name="Picture 5">
-            <a:extLst>
-              <a:ext uri="{FF2B5EF4-FFF2-40B4-BE49-F238E27FC236}">
-                <a16:creationId xmlns:a16="http://schemas.microsoft.com/office/drawing/2014/main" id="{C3A87947-14E8-4072-B73F-2117AD3EB594}"/>
-              </a:ext>
-            </a:extLst>
-          </p:cNvPr>
-          <p:cNvPicPr>
-            <a:picLocks noChangeAspect="1"/>
-          </p:cNvPicPr>
-          <p:nvPr/>
-        </p:nvPicPr>
-        <p:blipFill>
-          <a:blip r:embed="rId2"/>
-          <a:stretch>
-            <a:fillRect/>
-          </a:stretch>
-        </p:blipFill>
-        <p:spPr>
-          <a:xfrm>
-            <a:off x="4458795" y="1674564"/>
-            <a:ext cx="4406480" cy="3164441"/>
-          </a:xfrm>
-          <a:prstGeom prst="rect">
-            <a:avLst/>
-          </a:prstGeom>
-          <a:effectLst>
-            <a:outerShdw blurRad="50800" dist="38100" dir="8100000" algn="tr" rotWithShape="0">
-              <a:prstClr val="black">
-                <a:alpha val="40000"/>
-              </a:prstClr>
-            </a:outerShdw>
-          </a:effectLst>
-        </p:spPr>
-      </p:pic>
-      <p:pic>
-        <p:nvPicPr>
-          <p:cNvPr id="8" name="Picture 7">
-            <a:extLst>
-              <a:ext uri="{FF2B5EF4-FFF2-40B4-BE49-F238E27FC236}">
-                <a16:creationId xmlns:a16="http://schemas.microsoft.com/office/drawing/2014/main" id="{AD0813E3-07B2-4A8F-9371-2488BD0C06E2}"/>
-              </a:ext>
-            </a:extLst>
-          </p:cNvPr>
-          <p:cNvPicPr>
-            <a:picLocks noChangeAspect="1"/>
-          </p:cNvPicPr>
-          <p:nvPr/>
-        </p:nvPicPr>
-        <p:blipFill>
-          <a:blip r:embed="rId3"/>
-          <a:stretch>
-            <a:fillRect/>
-          </a:stretch>
-        </p:blipFill>
-        <p:spPr>
-          <a:xfrm>
-            <a:off x="1211856" y="1739268"/>
-            <a:ext cx="2335575" cy="1377989"/>
-          </a:xfrm>
-          <a:prstGeom prst="rect">
-            <a:avLst/>
-          </a:prstGeom>
-          <a:effectLst>
-            <a:glow rad="101600">
-              <a:schemeClr val="accent4">
-                <a:satMod val="175000"/>
-                <a:alpha val="40000"/>
-              </a:schemeClr>
-            </a:glow>
-          </a:effectLst>
-        </p:spPr>
-      </p:pic>
-      <p:pic>
-        <p:nvPicPr>
-          <p:cNvPr id="10" name="Picture 9">
-            <a:extLst>
-              <a:ext uri="{FF2B5EF4-FFF2-40B4-BE49-F238E27FC236}">
-                <a16:creationId xmlns:a16="http://schemas.microsoft.com/office/drawing/2014/main" id="{D1EACFC1-FF47-484C-883B-6198614F913A}"/>
-              </a:ext>
-            </a:extLst>
-          </p:cNvPr>
-          <p:cNvPicPr>
-            <a:picLocks noChangeAspect="1"/>
-          </p:cNvPicPr>
-          <p:nvPr/>
-        </p:nvPicPr>
-        <p:blipFill>
-          <a:blip r:embed="rId4"/>
-          <a:stretch>
-            <a:fillRect/>
-          </a:stretch>
-        </p:blipFill>
-        <p:spPr>
-          <a:xfrm>
-            <a:off x="1659061" y="3461015"/>
-            <a:ext cx="1301071" cy="1377990"/>
-          </a:xfrm>
-          <a:prstGeom prst="rect">
-            <a:avLst/>
-          </a:prstGeom>
-        </p:spPr>
-      </p:pic>
-    </p:spTree>
-    <p:extLst>
-      <p:ext uri="{BB962C8B-B14F-4D97-AF65-F5344CB8AC3E}">
-        <p14:creationId xmlns:p14="http://schemas.microsoft.com/office/powerpoint/2010/main" val="1422325556"/>
-      </p:ext>
-    </p:extLst>
-  </p:cSld>
-  <p:clrMapOvr>
-    <a:masterClrMapping/>
-  </p:clrMapOvr>
-</p:sld>
-</file>
-
-<file path=ppt/slides/slide7.xml><?xml version="1.0" encoding="utf-8"?>
-<p:sld xmlns:a="http://schemas.openxmlformats.org/drawingml/2006/main" xmlns:r="http://schemas.openxmlformats.org/officeDocument/2006/relationships" xmlns:p="http://schemas.openxmlformats.org/presentationml/2006/main">
-  <p:cSld>
-    <p:spTree>
-      <p:nvGrpSpPr>
-        <p:cNvPr id="1" name=""/>
-        <p:cNvGrpSpPr/>
-        <p:nvPr/>
-      </p:nvGrpSpPr>
-      <p:grpSpPr>
-        <a:xfrm>
-          <a:off x="0" y="0"/>
-          <a:ext cx="0" cy="0"/>
-          <a:chOff x="0" y="0"/>
-          <a:chExt cx="0" cy="0"/>
-        </a:xfrm>
-      </p:grpSpPr>
-      <p:sp>
-        <p:nvSpPr>
-          <p:cNvPr id="3" name="Slide Number Placeholder 2">
-            <a:extLst>
-              <a:ext uri="{FF2B5EF4-FFF2-40B4-BE49-F238E27FC236}">
-                <a16:creationId xmlns:a16="http://schemas.microsoft.com/office/drawing/2014/main" id="{65A8D3DC-29C2-4086-B653-527973B5FAE1}"/>
-              </a:ext>
-            </a:extLst>
-          </p:cNvPr>
-          <p:cNvSpPr>
-            <a:spLocks noGrp="1"/>
-          </p:cNvSpPr>
-          <p:nvPr>
-            <p:ph type="sldNum" idx="12"/>
-          </p:nvPr>
-        </p:nvSpPr>
-        <p:spPr/>
-        <p:txBody>
-          <a:bodyPr/>
-          <a:lstStyle/>
-          <a:p>
-            <a:pPr marL="0" lvl="0" indent="0" algn="ctr" rtl="0">
-              <a:spcBef>
-                <a:spcPts val="0"/>
-              </a:spcBef>
-              <a:spcAft>
-                <a:spcPts val="0"/>
-              </a:spcAft>
-              <a:buNone/>
-            </a:pPr>
-            <a:fld id="{00000000-1234-1234-1234-123412341234}" type="slidenum">
-              <a:rPr lang="en" smtClean="0"/>
-              <a:t>7</a:t>
             </a:fld>
             <a:endParaRPr lang="en"/>
           </a:p>
@@ -39778,6 +37066,44 @@
           </a:p>
         </p:txBody>
       </p:sp>
+      <p:pic>
+        <p:nvPicPr>
+          <p:cNvPr id="2" name="Slide 6">
+            <a:hlinkClick r:id="" action="ppaction://media"/>
+            <a:extLst>
+              <a:ext uri="{FF2B5EF4-FFF2-40B4-BE49-F238E27FC236}">
+                <a16:creationId xmlns:a16="http://schemas.microsoft.com/office/drawing/2014/main" id="{9F3A6668-6639-479B-82F8-D2E1B11E7BA7}"/>
+              </a:ext>
+            </a:extLst>
+          </p:cNvPr>
+          <p:cNvPicPr>
+            <a:picLocks noChangeAspect="1"/>
+          </p:cNvPicPr>
+          <p:nvPr>
+            <a:audioFile r:link="rId2"/>
+            <p:extLst>
+              <p:ext uri="{DAA4B4D4-6D71-4841-9C94-3DE7FCFB9230}">
+                <p14:media xmlns:p14="http://schemas.microsoft.com/office/powerpoint/2010/main" r:embed="rId1"/>
+              </p:ext>
+            </p:extLst>
+          </p:nvPr>
+        </p:nvPicPr>
+        <p:blipFill>
+          <a:blip r:embed="rId4"/>
+          <a:stretch>
+            <a:fillRect/>
+          </a:stretch>
+        </p:blipFill>
+        <p:spPr>
+          <a:xfrm>
+            <a:off x="8415000" y="516875"/>
+            <a:ext cx="609600" cy="609600"/>
+          </a:xfrm>
+          <a:prstGeom prst="rect">
+            <a:avLst/>
+          </a:prstGeom>
+        </p:spPr>
+      </p:pic>
     </p:spTree>
     <p:extLst>
       <p:ext uri="{BB962C8B-B14F-4D97-AF65-F5344CB8AC3E}">
@@ -39788,10 +37114,97 @@
   <p:clrMapOvr>
     <a:masterClrMapping/>
   </p:clrMapOvr>
+  <p:timing>
+    <p:tnLst>
+      <p:par>
+        <p:cTn id="1" dur="indefinite" restart="never" nodeType="tmRoot">
+          <p:childTnLst>
+            <p:seq concurrent="1" nextAc="seek">
+              <p:cTn id="2" dur="indefinite" nodeType="mainSeq">
+                <p:childTnLst>
+                  <p:par>
+                    <p:cTn id="3" fill="hold">
+                      <p:stCondLst>
+                        <p:cond delay="indefinite"/>
+                        <p:cond evt="onBegin" delay="0">
+                          <p:tn val="2"/>
+                        </p:cond>
+                      </p:stCondLst>
+                      <p:childTnLst>
+                        <p:par>
+                          <p:cTn id="4" fill="hold">
+                            <p:stCondLst>
+                              <p:cond delay="0"/>
+                            </p:stCondLst>
+                            <p:childTnLst>
+                              <p:par>
+                                <p:cTn id="5" presetID="1" presetClass="mediacall" presetSubtype="0" fill="hold" nodeType="afterEffect">
+                                  <p:stCondLst>
+                                    <p:cond delay="0"/>
+                                  </p:stCondLst>
+                                  <p:childTnLst>
+                                    <p:cmd type="call" cmd="playFrom(0.0)">
+                                      <p:cBhvr>
+                                        <p:cTn id="6" dur="31672" fill="hold"/>
+                                        <p:tgtEl>
+                                          <p:spTgt spid="2"/>
+                                        </p:tgtEl>
+                                      </p:cBhvr>
+                                    </p:cmd>
+                                  </p:childTnLst>
+                                </p:cTn>
+                              </p:par>
+                            </p:childTnLst>
+                          </p:cTn>
+                        </p:par>
+                      </p:childTnLst>
+                    </p:cTn>
+                  </p:par>
+                </p:childTnLst>
+              </p:cTn>
+              <p:prevCondLst>
+                <p:cond evt="onPrev" delay="0">
+                  <p:tgtEl>
+                    <p:sldTgt/>
+                  </p:tgtEl>
+                </p:cond>
+              </p:prevCondLst>
+              <p:nextCondLst>
+                <p:cond evt="onNext" delay="0">
+                  <p:tgtEl>
+                    <p:sldTgt/>
+                  </p:tgtEl>
+                </p:cond>
+              </p:nextCondLst>
+            </p:seq>
+            <p:audio>
+              <p:cMediaNode vol="80000">
+                <p:cTn id="7" fill="hold" display="0">
+                  <p:stCondLst>
+                    <p:cond delay="indefinite"/>
+                  </p:stCondLst>
+                  <p:endCondLst>
+                    <p:cond evt="onStopAudio" delay="0">
+                      <p:tgtEl>
+                        <p:sldTgt/>
+                      </p:tgtEl>
+                    </p:cond>
+                  </p:endCondLst>
+                </p:cTn>
+                <p:tgtEl>
+                  <p:spTgt spid="2"/>
+                </p:tgtEl>
+              </p:cMediaNode>
+            </p:audio>
+          </p:childTnLst>
+        </p:cTn>
+      </p:par>
+    </p:tnLst>
+  </p:timing>
 </p:sld>
 </file>
 
-<file path=ppt/slides/slide8.xml><?xml version="1.0" encoding="utf-8"?>
+<file path=ppt/slides/slide7.xml><?xml version="1.0" encoding="utf-8"?>
 <p:sld xmlns:a="http://schemas.openxmlformats.org/drawingml/2006/main" xmlns:r="http://schemas.openxmlformats.org/officeDocument/2006/relationships" xmlns:p="http://schemas.openxmlformats.org/presentationml/2006/main">
   <p:cSld>
     <p:bg>
@@ -39848,7 +37261,7 @@
             </a:pPr>
             <a:fld id="{00000000-1234-1234-1234-123412341234}" type="slidenum">
               <a:rPr lang="en"/>
-              <a:t>8</a:t>
+              <a:t>7</a:t>
             </a:fld>
             <a:endParaRPr/>
           </a:p>
@@ -40414,15 +37827,140 @@
           </a:p>
         </p:txBody>
       </p:sp>
+      <p:pic>
+        <p:nvPicPr>
+          <p:cNvPr id="2" name="Slide 7">
+            <a:hlinkClick r:id="" action="ppaction://media"/>
+            <a:extLst>
+              <a:ext uri="{FF2B5EF4-FFF2-40B4-BE49-F238E27FC236}">
+                <a16:creationId xmlns:a16="http://schemas.microsoft.com/office/drawing/2014/main" id="{98BDAD56-E6EA-45C0-864E-A0E492F45C5C}"/>
+              </a:ext>
+            </a:extLst>
+          </p:cNvPr>
+          <p:cNvPicPr>
+            <a:picLocks noChangeAspect="1"/>
+          </p:cNvPicPr>
+          <p:nvPr>
+            <a:audioFile r:link="rId3"/>
+            <p:extLst>
+              <p:ext uri="{DAA4B4D4-6D71-4841-9C94-3DE7FCFB9230}">
+                <p14:media xmlns:p14="http://schemas.microsoft.com/office/powerpoint/2010/main" r:embed="rId2"/>
+              </p:ext>
+            </p:extLst>
+          </p:nvPr>
+        </p:nvPicPr>
+        <p:blipFill>
+          <a:blip r:embed="rId6"/>
+          <a:stretch>
+            <a:fillRect/>
+          </a:stretch>
+        </p:blipFill>
+        <p:spPr>
+          <a:xfrm>
+            <a:off x="8534375" y="567675"/>
+            <a:ext cx="609600" cy="609600"/>
+          </a:xfrm>
+          <a:prstGeom prst="rect">
+            <a:avLst/>
+          </a:prstGeom>
+        </p:spPr>
+      </p:pic>
     </p:spTree>
   </p:cSld>
   <p:clrMapOvr>
     <a:overrideClrMapping bg1="lt1" tx1="dk1" bg2="dk2" tx2="lt2" accent1="accent1" accent2="accent2" accent3="accent3" accent4="accent4" accent5="accent5" accent6="accent6" hlink="hlink" folHlink="folHlink"/>
   </p:clrMapOvr>
+  <p:timing>
+    <p:tnLst>
+      <p:par>
+        <p:cTn id="1" dur="indefinite" restart="never" nodeType="tmRoot">
+          <p:childTnLst>
+            <p:seq concurrent="1" nextAc="seek">
+              <p:cTn id="2" dur="indefinite" nodeType="mainSeq">
+                <p:childTnLst>
+                  <p:par>
+                    <p:cTn id="3" fill="hold">
+                      <p:stCondLst>
+                        <p:cond delay="indefinite"/>
+                        <p:cond evt="onBegin" delay="0">
+                          <p:tn val="2"/>
+                        </p:cond>
+                      </p:stCondLst>
+                      <p:childTnLst>
+                        <p:par>
+                          <p:cTn id="4" fill="hold">
+                            <p:stCondLst>
+                              <p:cond delay="0"/>
+                            </p:stCondLst>
+                            <p:childTnLst>
+                              <p:par>
+                                <p:cTn id="5" presetID="1" presetClass="mediacall" presetSubtype="0" fill="hold" nodeType="afterEffect">
+                                  <p:stCondLst>
+                                    <p:cond delay="0"/>
+                                  </p:stCondLst>
+                                  <p:childTnLst>
+                                    <p:cmd type="call" cmd="playFrom(0.0)">
+                                      <p:cBhvr>
+                                        <p:cTn id="6" dur="7500" fill="hold"/>
+                                        <p:tgtEl>
+                                          <p:spTgt spid="2"/>
+                                        </p:tgtEl>
+                                      </p:cBhvr>
+                                    </p:cmd>
+                                  </p:childTnLst>
+                                </p:cTn>
+                              </p:par>
+                            </p:childTnLst>
+                          </p:cTn>
+                        </p:par>
+                      </p:childTnLst>
+                    </p:cTn>
+                  </p:par>
+                </p:childTnLst>
+              </p:cTn>
+              <p:prevCondLst>
+                <p:cond evt="onPrev" delay="0">
+                  <p:tgtEl>
+                    <p:sldTgt/>
+                  </p:tgtEl>
+                </p:cond>
+              </p:prevCondLst>
+              <p:nextCondLst>
+                <p:cond evt="onNext" delay="0">
+                  <p:tgtEl>
+                    <p:sldTgt/>
+                  </p:tgtEl>
+                </p:cond>
+              </p:nextCondLst>
+            </p:seq>
+            <p:audio>
+              <p:cMediaNode vol="80000">
+                <p:cTn id="7" fill="hold" display="0">
+                  <p:stCondLst>
+                    <p:cond delay="indefinite"/>
+                  </p:stCondLst>
+                  <p:endCondLst>
+                    <p:cond evt="onStopAudio" delay="0">
+                      <p:tgtEl>
+                        <p:sldTgt/>
+                      </p:tgtEl>
+                    </p:cond>
+                  </p:endCondLst>
+                </p:cTn>
+                <p:tgtEl>
+                  <p:spTgt spid="2"/>
+                </p:tgtEl>
+              </p:cMediaNode>
+            </p:audio>
+          </p:childTnLst>
+        </p:cTn>
+      </p:par>
+    </p:tnLst>
+  </p:timing>
 </p:sld>
 </file>
 
-<file path=ppt/slides/slide9.xml><?xml version="1.0" encoding="utf-8"?>
+<file path=ppt/slides/slide8.xml><?xml version="1.0" encoding="utf-8"?>
 <p:sld xmlns:a="http://schemas.openxmlformats.org/drawingml/2006/main" xmlns:r="http://schemas.openxmlformats.org/officeDocument/2006/relationships" xmlns:p="http://schemas.openxmlformats.org/presentationml/2006/main">
   <p:cSld>
     <p:spTree>
@@ -40475,7 +38013,7 @@
             </a:pPr>
             <a:fld id="{00000000-1234-1234-1234-123412341234}" type="slidenum">
               <a:rPr lang="en"/>
-              <a:t>9</a:t>
+              <a:t>8</a:t>
             </a:fld>
             <a:endParaRPr/>
           </a:p>
@@ -40627,7 +38165,7 @@
           <p:nvPr/>
         </p:nvPicPr>
         <p:blipFill rotWithShape="1">
-          <a:blip r:embed="rId3">
+          <a:blip r:embed="rId5">
             <a:alphaModFix/>
           </a:blip>
           <a:srcRect l="29032" t="-74" r="24357" b="6947"/>
@@ -40647,11 +38185,136 @@
           </a:ln>
         </p:spPr>
       </p:pic>
+      <p:pic>
+        <p:nvPicPr>
+          <p:cNvPr id="2" name="Slide 8">
+            <a:hlinkClick r:id="" action="ppaction://media"/>
+            <a:extLst>
+              <a:ext uri="{FF2B5EF4-FFF2-40B4-BE49-F238E27FC236}">
+                <a16:creationId xmlns:a16="http://schemas.microsoft.com/office/drawing/2014/main" id="{F5506ED4-D21B-4002-9F77-B4B217BEA801}"/>
+              </a:ext>
+            </a:extLst>
+          </p:cNvPr>
+          <p:cNvPicPr>
+            <a:picLocks noChangeAspect="1"/>
+          </p:cNvPicPr>
+          <p:nvPr>
+            <a:audioFile r:link="rId2"/>
+            <p:extLst>
+              <p:ext uri="{DAA4B4D4-6D71-4841-9C94-3DE7FCFB9230}">
+                <p14:media xmlns:p14="http://schemas.microsoft.com/office/powerpoint/2010/main" r:embed="rId1"/>
+              </p:ext>
+            </p:extLst>
+          </p:nvPr>
+        </p:nvPicPr>
+        <p:blipFill>
+          <a:blip r:embed="rId6"/>
+          <a:stretch>
+            <a:fillRect/>
+          </a:stretch>
+        </p:blipFill>
+        <p:spPr>
+          <a:xfrm>
+            <a:off x="8534400" y="492114"/>
+            <a:ext cx="609600" cy="609600"/>
+          </a:xfrm>
+          <a:prstGeom prst="rect">
+            <a:avLst/>
+          </a:prstGeom>
+        </p:spPr>
+      </p:pic>
     </p:spTree>
   </p:cSld>
   <p:clrMapOvr>
     <a:masterClrMapping/>
   </p:clrMapOvr>
+  <p:timing>
+    <p:tnLst>
+      <p:par>
+        <p:cTn id="1" dur="indefinite" restart="never" nodeType="tmRoot">
+          <p:childTnLst>
+            <p:seq concurrent="1" nextAc="seek">
+              <p:cTn id="2" dur="indefinite" nodeType="mainSeq">
+                <p:childTnLst>
+                  <p:par>
+                    <p:cTn id="3" fill="hold">
+                      <p:stCondLst>
+                        <p:cond delay="indefinite"/>
+                        <p:cond evt="onBegin" delay="0">
+                          <p:tn val="2"/>
+                        </p:cond>
+                      </p:stCondLst>
+                      <p:childTnLst>
+                        <p:par>
+                          <p:cTn id="4" fill="hold">
+                            <p:stCondLst>
+                              <p:cond delay="0"/>
+                            </p:stCondLst>
+                            <p:childTnLst>
+                              <p:par>
+                                <p:cTn id="5" presetID="1" presetClass="mediacall" presetSubtype="0" fill="hold" nodeType="afterEffect">
+                                  <p:stCondLst>
+                                    <p:cond delay="0"/>
+                                  </p:stCondLst>
+                                  <p:childTnLst>
+                                    <p:cmd type="call" cmd="playFrom(0.0)">
+                                      <p:cBhvr>
+                                        <p:cTn id="6" dur="3762" fill="hold"/>
+                                        <p:tgtEl>
+                                          <p:spTgt spid="2"/>
+                                        </p:tgtEl>
+                                      </p:cBhvr>
+                                    </p:cmd>
+                                  </p:childTnLst>
+                                </p:cTn>
+                              </p:par>
+                            </p:childTnLst>
+                          </p:cTn>
+                        </p:par>
+                      </p:childTnLst>
+                    </p:cTn>
+                  </p:par>
+                </p:childTnLst>
+              </p:cTn>
+              <p:prevCondLst>
+                <p:cond evt="onPrev" delay="0">
+                  <p:tgtEl>
+                    <p:sldTgt/>
+                  </p:tgtEl>
+                </p:cond>
+              </p:prevCondLst>
+              <p:nextCondLst>
+                <p:cond evt="onNext" delay="0">
+                  <p:tgtEl>
+                    <p:sldTgt/>
+                  </p:tgtEl>
+                </p:cond>
+              </p:nextCondLst>
+            </p:seq>
+            <p:audio>
+              <p:cMediaNode vol="80000">
+                <p:cTn id="7" fill="hold" display="0">
+                  <p:stCondLst>
+                    <p:cond delay="indefinite"/>
+                  </p:stCondLst>
+                  <p:endCondLst>
+                    <p:cond evt="onStopAudio" delay="0">
+                      <p:tgtEl>
+                        <p:sldTgt/>
+                      </p:tgtEl>
+                    </p:cond>
+                  </p:endCondLst>
+                </p:cTn>
+                <p:tgtEl>
+                  <p:spTgt spid="2"/>
+                </p:tgtEl>
+              </p:cMediaNode>
+            </p:audio>
+          </p:childTnLst>
+        </p:cTn>
+      </p:par>
+    </p:tnLst>
+  </p:timing>
 </p:sld>
 </file>
 
